--- a/docs/Hackapizza 2025 - Team LSF.pptx
+++ b/docs/Hackapizza 2025 - Team LSF.pptx
@@ -12,6 +12,9 @@
     <p:sldId id="261" r:id="rId6"/>
     <p:sldId id="263" r:id="rId7"/>
     <p:sldId id="264" r:id="rId8"/>
+    <p:sldId id="265" r:id="rId9"/>
+    <p:sldId id="266" r:id="rId10"/>
+    <p:sldId id="267" r:id="rId11"/>
   </p:sldIdLst>
   <p:sldSz cx="12192000" cy="6858000"/>
   <p:notesSz cx="6858000" cy="9144000"/>
@@ -7823,140 +7826,7 @@
 </p:sld>
 </file>
 
-<file path=ppt/slides/slide2.xml><?xml version="1.0" encoding="utf-8"?>
-<p:sld xmlns:a="http://schemas.openxmlformats.org/drawingml/2006/main" xmlns:r="http://schemas.openxmlformats.org/officeDocument/2006/relationships" xmlns:p="http://schemas.openxmlformats.org/presentationml/2006/main">
-  <p:cSld>
-    <p:spTree>
-      <p:nvGrpSpPr>
-        <p:cNvPr id="1" name=""/>
-        <p:cNvGrpSpPr/>
-        <p:nvPr/>
-      </p:nvGrpSpPr>
-      <p:grpSpPr>
-        <a:xfrm>
-          <a:off x="0" y="0"/>
-          <a:ext cx="0" cy="0"/>
-          <a:chOff x="0" y="0"/>
-          <a:chExt cx="0" cy="0"/>
-        </a:xfrm>
-      </p:grpSpPr>
-      <p:sp>
-        <p:nvSpPr>
-          <p:cNvPr id="2" name="Titolo 1">
-            <a:extLst>
-              <a:ext uri="{FF2B5EF4-FFF2-40B4-BE49-F238E27FC236}">
-                <a16:creationId xmlns:a16="http://schemas.microsoft.com/office/drawing/2014/main" id="{DA2B1639-94DA-365E-9EC2-5D35C88DF406}"/>
-              </a:ext>
-            </a:extLst>
-          </p:cNvPr>
-          <p:cNvSpPr>
-            <a:spLocks noGrp="1"/>
-          </p:cNvSpPr>
-          <p:nvPr>
-            <p:ph type="title"/>
-          </p:nvPr>
-        </p:nvSpPr>
-        <p:spPr/>
-        <p:txBody>
-          <a:bodyPr/>
-          <a:lstStyle/>
-          <a:p>
-            <a:r>
-              <a:rPr lang="en-US" noProof="0" dirty="0"/>
-              <a:t>Summary</a:t>
-            </a:r>
-          </a:p>
-        </p:txBody>
-      </p:sp>
-      <p:sp>
-        <p:nvSpPr>
-          <p:cNvPr id="3" name="Segnaposto contenuto 2">
-            <a:extLst>
-              <a:ext uri="{FF2B5EF4-FFF2-40B4-BE49-F238E27FC236}">
-                <a16:creationId xmlns:a16="http://schemas.microsoft.com/office/drawing/2014/main" id="{99119482-A12C-F963-B53E-78B2C9E7DE64}"/>
-              </a:ext>
-            </a:extLst>
-          </p:cNvPr>
-          <p:cNvSpPr>
-            <a:spLocks noGrp="1"/>
-          </p:cNvSpPr>
-          <p:nvPr>
-            <p:ph idx="1"/>
-          </p:nvPr>
-        </p:nvSpPr>
-        <p:spPr/>
-        <p:txBody>
-          <a:bodyPr/>
-          <a:lstStyle/>
-          <a:p>
-            <a:r>
-              <a:rPr lang="en-US" noProof="0" dirty="0"/>
-              <a:t>Problem Description</a:t>
-            </a:r>
-          </a:p>
-          <a:p>
-            <a:r>
-              <a:rPr lang="en-US" noProof="0" dirty="0"/>
-              <a:t>Solution Description</a:t>
-            </a:r>
-          </a:p>
-          <a:p>
-            <a:pPr lvl="1"/>
-            <a:r>
-              <a:rPr lang="en-US" dirty="0"/>
-              <a:t>Design Principles</a:t>
-            </a:r>
-            <a:endParaRPr lang="en-US" noProof="0" dirty="0"/>
-          </a:p>
-          <a:p>
-            <a:pPr lvl="1"/>
-            <a:r>
-              <a:rPr lang="en-US" noProof="0" dirty="0"/>
-              <a:t>High Level Architecture</a:t>
-            </a:r>
-          </a:p>
-          <a:p>
-            <a:pPr lvl="1"/>
-            <a:r>
-              <a:rPr lang="en-US" noProof="0" dirty="0"/>
-              <a:t>Offline Phase: Knowledge Base Creation</a:t>
-            </a:r>
-          </a:p>
-          <a:p>
-            <a:pPr lvl="1"/>
-            <a:r>
-              <a:rPr lang="en-US" noProof="0" dirty="0"/>
-              <a:t>Online Phase: Knowledge Base Querying</a:t>
-            </a:r>
-          </a:p>
-          <a:p>
-            <a:r>
-              <a:rPr lang="en-US" noProof="0" dirty="0"/>
-              <a:t>Results</a:t>
-            </a:r>
-          </a:p>
-          <a:p>
-            <a:r>
-              <a:rPr lang="en-US" noProof="0" dirty="0"/>
-              <a:t>Possible Improvements</a:t>
-            </a:r>
-          </a:p>
-        </p:txBody>
-      </p:sp>
-    </p:spTree>
-    <p:extLst>
-      <p:ext uri="{BB962C8B-B14F-4D97-AF65-F5344CB8AC3E}">
-        <p14:creationId xmlns:p14="http://schemas.microsoft.com/office/powerpoint/2010/main" val="496133671"/>
-      </p:ext>
-    </p:extLst>
-  </p:cSld>
-  <p:clrMapOvr>
-    <a:masterClrMapping/>
-  </p:clrMapOvr>
-</p:sld>
-</file>
-
-<file path=ppt/slides/slide3.xml><?xml version="1.0" encoding="utf-8"?>
+<file path=ppt/slides/slide10.xml><?xml version="1.0" encoding="utf-8"?>
 <p:sld xmlns:a="http://schemas.openxmlformats.org/drawingml/2006/main" xmlns:r="http://schemas.openxmlformats.org/officeDocument/2006/relationships" xmlns:p="http://schemas.openxmlformats.org/presentationml/2006/main">
   <p:cSld>
     <p:spTree>
@@ -7964,7 +7834,7 @@
         <p:cNvPr id="1" name="">
           <a:extLst>
             <a:ext uri="{FF2B5EF4-FFF2-40B4-BE49-F238E27FC236}">
-              <a16:creationId xmlns:a16="http://schemas.microsoft.com/office/drawing/2014/main" id="{633C6207-83AB-C8D2-552B-91C8C8CAD4D0}"/>
+              <a16:creationId xmlns:a16="http://schemas.microsoft.com/office/drawing/2014/main" id="{A3C9A9C6-0546-11CB-B3F3-5A675EDCF6C1}"/>
             </a:ext>
           </a:extLst>
         </p:cNvPr>
@@ -7984,7 +7854,7 @@
           <p:cNvPr id="2" name="Titolo 1">
             <a:extLst>
               <a:ext uri="{FF2B5EF4-FFF2-40B4-BE49-F238E27FC236}">
-                <a16:creationId xmlns:a16="http://schemas.microsoft.com/office/drawing/2014/main" id="{AB98F148-2FA6-82EE-61E4-46E702FA9DB8}"/>
+                <a16:creationId xmlns:a16="http://schemas.microsoft.com/office/drawing/2014/main" id="{C9B60D38-9A72-D82E-48CF-A883C50D572A}"/>
               </a:ext>
             </a:extLst>
           </p:cNvPr>
@@ -7995,709 +7865,21 @@
             <p:ph type="title"/>
           </p:nvPr>
         </p:nvSpPr>
-        <p:spPr/>
-        <p:txBody>
-          <a:bodyPr/>
-          <a:lstStyle/>
-          <a:p>
-            <a:r>
-              <a:rPr lang="en-US" noProof="0" dirty="0"/>
-              <a:t>Problem Description</a:t>
-            </a:r>
-          </a:p>
-        </p:txBody>
-      </p:sp>
-      <p:sp>
-        <p:nvSpPr>
-          <p:cNvPr id="3" name="Segnaposto contenuto 2">
-            <a:extLst>
-              <a:ext uri="{FF2B5EF4-FFF2-40B4-BE49-F238E27FC236}">
-                <a16:creationId xmlns:a16="http://schemas.microsoft.com/office/drawing/2014/main" id="{16AF858C-9214-76B9-C13C-864940160F78}"/>
-              </a:ext>
-            </a:extLst>
-          </p:cNvPr>
-          <p:cNvSpPr>
-            <a:spLocks noGrp="1"/>
-          </p:cNvSpPr>
-          <p:nvPr>
-            <p:ph idx="1"/>
-          </p:nvPr>
-        </p:nvSpPr>
-        <p:spPr/>
-        <p:txBody>
-          <a:bodyPr>
-            <a:normAutofit fontScale="92500" lnSpcReduction="10000"/>
-          </a:bodyPr>
-          <a:lstStyle/>
-          <a:p>
-            <a:pPr algn="just"/>
-            <a:r>
-              <a:rPr lang="en-US" b="1" i="1" noProof="0" dirty="0"/>
-              <a:t>Goal: </a:t>
-            </a:r>
-            <a:r>
-              <a:rPr lang="en-US" noProof="0" dirty="0"/>
-              <a:t>develop a “intergalactic food advisor” that can provide the user with a list of suitable dishes based on a question in natural language, which implicitly contains some constraints.</a:t>
-            </a:r>
-          </a:p>
-          <a:p>
-            <a:pPr algn="just"/>
-            <a:r>
-              <a:rPr lang="en-US" b="1" i="1" dirty="0"/>
-              <a:t>Basic Setting: </a:t>
-            </a:r>
-            <a:r>
-              <a:rPr lang="en-US" dirty="0"/>
-              <a:t>in the galaxy there are 30 different </a:t>
-            </a:r>
-            <a:r>
-              <a:rPr lang="en-US" i="1" dirty="0"/>
-              <a:t>restaurants</a:t>
-            </a:r>
-            <a:r>
-              <a:rPr lang="en-US" dirty="0"/>
-              <a:t> scattered around 10 different </a:t>
-            </a:r>
-            <a:r>
-              <a:rPr lang="en-US" i="1" dirty="0"/>
-              <a:t>planets</a:t>
-            </a:r>
-            <a:r>
-              <a:rPr lang="en-US" dirty="0"/>
-              <a:t>, each with its </a:t>
-            </a:r>
-            <a:r>
-              <a:rPr lang="en-US" i="1" dirty="0"/>
-              <a:t>chef </a:t>
-            </a:r>
-            <a:r>
-              <a:rPr lang="en-US" dirty="0"/>
-              <a:t>and its unique set of </a:t>
-            </a:r>
-            <a:r>
-              <a:rPr lang="en-US" i="1" dirty="0"/>
-              <a:t>dishes </a:t>
-            </a:r>
-            <a:r>
-              <a:rPr lang="en-US" dirty="0"/>
-              <a:t>(i.e., menu). Every </a:t>
-            </a:r>
-            <a:r>
-              <a:rPr lang="en-US" i="1" dirty="0"/>
-              <a:t>chef</a:t>
-            </a:r>
-            <a:r>
-              <a:rPr lang="en-US" dirty="0"/>
-              <a:t> has their own </a:t>
-            </a:r>
-            <a:r>
-              <a:rPr lang="en-US" i="1" dirty="0"/>
-              <a:t>cooking </a:t>
-            </a:r>
-            <a:r>
-              <a:rPr lang="en-US" dirty="0"/>
-              <a:t>licenses, and every </a:t>
-            </a:r>
-            <a:r>
-              <a:rPr lang="en-US" i="1" dirty="0"/>
-              <a:t>dish </a:t>
-            </a:r>
-            <a:r>
-              <a:rPr lang="en-US" dirty="0"/>
-              <a:t>is prepared with specific </a:t>
-            </a:r>
-            <a:r>
-              <a:rPr lang="en-US" i="1" dirty="0"/>
-              <a:t>ingredients </a:t>
-            </a:r>
-            <a:r>
-              <a:rPr lang="en-US" dirty="0"/>
-              <a:t>and </a:t>
-            </a:r>
-            <a:r>
-              <a:rPr lang="en-US" i="1" dirty="0"/>
-              <a:t>cooking techniques</a:t>
-            </a:r>
-            <a:r>
-              <a:rPr lang="en-US" dirty="0"/>
-              <a:t>.</a:t>
-            </a:r>
-          </a:p>
-          <a:p>
-            <a:pPr algn="just"/>
-            <a:r>
-              <a:rPr lang="en-US" i="1" dirty="0"/>
-              <a:t>Additional Info: </a:t>
-            </a:r>
-            <a:r>
-              <a:rPr lang="en-US" dirty="0"/>
-              <a:t>every </a:t>
-            </a:r>
-            <a:r>
-              <a:rPr lang="en-US" i="1" dirty="0"/>
-              <a:t>cooking technique </a:t>
-            </a:r>
-            <a:r>
-              <a:rPr lang="en-US" dirty="0"/>
-              <a:t>requires a set of </a:t>
-            </a:r>
-            <a:r>
-              <a:rPr lang="en-US" i="1" dirty="0"/>
-              <a:t>licenses </a:t>
-            </a:r>
-            <a:r>
-              <a:rPr lang="en-US" dirty="0"/>
-              <a:t>to be performed, some </a:t>
-            </a:r>
-            <a:r>
-              <a:rPr lang="en-US" i="1" dirty="0"/>
-              <a:t>ingredients </a:t>
-            </a:r>
-            <a:r>
-              <a:rPr lang="en-US" dirty="0"/>
-              <a:t>that contain weird </a:t>
-            </a:r>
-            <a:r>
-              <a:rPr lang="en-US" i="1" dirty="0"/>
-              <a:t>substances</a:t>
-            </a:r>
-            <a:r>
-              <a:rPr lang="en-US" dirty="0"/>
-              <a:t> cannot exceed a certain thresholds, and there are three different </a:t>
-            </a:r>
-            <a:r>
-              <a:rPr lang="en-US" i="1" dirty="0"/>
-              <a:t>orders</a:t>
-            </a:r>
-            <a:r>
-              <a:rPr lang="en-US" dirty="0"/>
-              <a:t> to take care of.</a:t>
-            </a:r>
-          </a:p>
-        </p:txBody>
-      </p:sp>
-    </p:spTree>
-    <p:extLst>
-      <p:ext uri="{BB962C8B-B14F-4D97-AF65-F5344CB8AC3E}">
-        <p14:creationId xmlns:p14="http://schemas.microsoft.com/office/powerpoint/2010/main" val="1810091504"/>
-      </p:ext>
-    </p:extLst>
-  </p:cSld>
-  <p:clrMapOvr>
-    <a:masterClrMapping/>
-  </p:clrMapOvr>
-</p:sld>
-</file>
-
-<file path=ppt/slides/slide4.xml><?xml version="1.0" encoding="utf-8"?>
-<p:sld xmlns:a="http://schemas.openxmlformats.org/drawingml/2006/main" xmlns:r="http://schemas.openxmlformats.org/officeDocument/2006/relationships" xmlns:p="http://schemas.openxmlformats.org/presentationml/2006/main">
-  <p:cSld>
-    <p:spTree>
-      <p:nvGrpSpPr>
-        <p:cNvPr id="1" name="">
-          <a:extLst>
-            <a:ext uri="{FF2B5EF4-FFF2-40B4-BE49-F238E27FC236}">
-              <a16:creationId xmlns:a16="http://schemas.microsoft.com/office/drawing/2014/main" id="{02B7FFA7-35DC-E1BD-F7F7-6A44E5A54FB7}"/>
-            </a:ext>
-          </a:extLst>
-        </p:cNvPr>
-        <p:cNvGrpSpPr/>
-        <p:nvPr/>
-      </p:nvGrpSpPr>
-      <p:grpSpPr>
-        <a:xfrm>
-          <a:off x="0" y="0"/>
-          <a:ext cx="0" cy="0"/>
-          <a:chOff x="0" y="0"/>
-          <a:chExt cx="0" cy="0"/>
-        </a:xfrm>
-      </p:grpSpPr>
-      <p:sp>
-        <p:nvSpPr>
-          <p:cNvPr id="2" name="Titolo 1">
-            <a:extLst>
-              <a:ext uri="{FF2B5EF4-FFF2-40B4-BE49-F238E27FC236}">
-                <a16:creationId xmlns:a16="http://schemas.microsoft.com/office/drawing/2014/main" id="{13AA5C29-F438-1793-1907-CCD6D2596491}"/>
-              </a:ext>
-            </a:extLst>
-          </p:cNvPr>
-          <p:cNvSpPr>
-            <a:spLocks noGrp="1"/>
-          </p:cNvSpPr>
-          <p:nvPr>
-            <p:ph type="title"/>
-          </p:nvPr>
-        </p:nvSpPr>
-        <p:spPr/>
-        <p:txBody>
-          <a:bodyPr/>
-          <a:lstStyle/>
-          <a:p>
-            <a:r>
-              <a:rPr lang="en-US" noProof="0" dirty="0"/>
-              <a:t>Solution Description – Design Principles</a:t>
-            </a:r>
-          </a:p>
-        </p:txBody>
-      </p:sp>
-      <p:sp>
-        <p:nvSpPr>
-          <p:cNvPr id="3" name="Segnaposto contenuto 2">
-            <a:extLst>
-              <a:ext uri="{FF2B5EF4-FFF2-40B4-BE49-F238E27FC236}">
-                <a16:creationId xmlns:a16="http://schemas.microsoft.com/office/drawing/2014/main" id="{0B58D442-F4D8-5F37-1C81-B451CECF2C1B}"/>
-              </a:ext>
-            </a:extLst>
-          </p:cNvPr>
-          <p:cNvSpPr>
-            <a:spLocks noGrp="1"/>
-          </p:cNvSpPr>
-          <p:nvPr>
-            <p:ph idx="1"/>
-          </p:nvPr>
-        </p:nvSpPr>
-        <p:spPr/>
+        <p:spPr>
+          <a:xfrm>
+            <a:off x="680321" y="753228"/>
+            <a:ext cx="9699355" cy="1080938"/>
+          </a:xfrm>
+        </p:spPr>
         <p:txBody>
           <a:bodyPr>
             <a:normAutofit/>
           </a:bodyPr>
           <a:lstStyle/>
           <a:p>
-            <a:pPr algn="just"/>
-            <a:r>
-              <a:rPr lang="en-US" dirty="0"/>
-              <a:t>Make the System as Predictable and Controllable as Possible.</a:t>
-            </a:r>
-          </a:p>
-          <a:p>
-            <a:pPr lvl="1" algn="just"/>
-            <a:r>
-              <a:rPr lang="en-US" dirty="0"/>
-              <a:t>Combine LLMs with Rule-Based Parsing.</a:t>
-            </a:r>
-          </a:p>
-          <a:p>
-            <a:pPr lvl="1" algn="just"/>
-            <a:r>
-              <a:rPr lang="en-US" dirty="0"/>
-              <a:t>Map Questions to Predefined Sequences of Actions.</a:t>
-            </a:r>
-          </a:p>
-          <a:p>
-            <a:pPr algn="just"/>
-            <a:r>
-              <a:rPr lang="en-US" dirty="0"/>
-              <a:t>Make the System Deployable On-Premises with Limited Resources.</a:t>
-            </a:r>
-          </a:p>
-          <a:p>
-            <a:pPr lvl="1" algn="just"/>
-            <a:r>
-              <a:rPr lang="en-US" dirty="0"/>
-              <a:t>Use “Small“ Open Weights Large Language Models (LLMs).</a:t>
-            </a:r>
-          </a:p>
-          <a:p>
-            <a:pPr algn="just"/>
-            <a:r>
-              <a:rPr lang="en-US" dirty="0"/>
-              <a:t>Focus on Data Quality.</a:t>
-            </a:r>
-          </a:p>
-          <a:p>
-            <a:pPr lvl="1" algn="just"/>
-            <a:r>
-              <a:rPr lang="en-US" dirty="0"/>
-              <a:t>Define a Precise Data Model that Suits the Application.</a:t>
-            </a:r>
-          </a:p>
-        </p:txBody>
-      </p:sp>
-    </p:spTree>
-    <p:extLst>
-      <p:ext uri="{BB962C8B-B14F-4D97-AF65-F5344CB8AC3E}">
-        <p14:creationId xmlns:p14="http://schemas.microsoft.com/office/powerpoint/2010/main" val="3658849936"/>
-      </p:ext>
-    </p:extLst>
-  </p:cSld>
-  <p:clrMapOvr>
-    <a:masterClrMapping/>
-  </p:clrMapOvr>
-</p:sld>
-</file>
-
-<file path=ppt/slides/slide5.xml><?xml version="1.0" encoding="utf-8"?>
-<p:sld xmlns:a="http://schemas.openxmlformats.org/drawingml/2006/main" xmlns:r="http://schemas.openxmlformats.org/officeDocument/2006/relationships" xmlns:p="http://schemas.openxmlformats.org/presentationml/2006/main">
-  <p:cSld>
-    <p:spTree>
-      <p:nvGrpSpPr>
-        <p:cNvPr id="1" name="">
-          <a:extLst>
-            <a:ext uri="{FF2B5EF4-FFF2-40B4-BE49-F238E27FC236}">
-              <a16:creationId xmlns:a16="http://schemas.microsoft.com/office/drawing/2014/main" id="{1EA97894-08C3-B160-6465-226E763B5B82}"/>
-            </a:ext>
-          </a:extLst>
-        </p:cNvPr>
-        <p:cNvGrpSpPr/>
-        <p:nvPr/>
-      </p:nvGrpSpPr>
-      <p:grpSpPr>
-        <a:xfrm>
-          <a:off x="0" y="0"/>
-          <a:ext cx="0" cy="0"/>
-          <a:chOff x="0" y="0"/>
-          <a:chExt cx="0" cy="0"/>
-        </a:xfrm>
-      </p:grpSpPr>
-      <p:sp>
-        <p:nvSpPr>
-          <p:cNvPr id="2" name="Titolo 1">
-            <a:extLst>
-              <a:ext uri="{FF2B5EF4-FFF2-40B4-BE49-F238E27FC236}">
-                <a16:creationId xmlns:a16="http://schemas.microsoft.com/office/drawing/2014/main" id="{7AB648EC-9CA3-9F8F-ACCC-CE8622ACE917}"/>
-              </a:ext>
-            </a:extLst>
-          </p:cNvPr>
-          <p:cNvSpPr>
-            <a:spLocks noGrp="1"/>
-          </p:cNvSpPr>
-          <p:nvPr>
-            <p:ph type="title"/>
-          </p:nvPr>
-        </p:nvSpPr>
-        <p:spPr/>
-        <p:txBody>
-          <a:bodyPr/>
-          <a:lstStyle/>
-          <a:p>
             <a:r>
               <a:rPr lang="en-US" noProof="0" dirty="0"/>
-              <a:t>Solution Description – High Level Architecture</a:t>
-            </a:r>
-          </a:p>
-        </p:txBody>
-      </p:sp>
-      <p:pic>
-        <p:nvPicPr>
-          <p:cNvPr id="11" name="Segnaposto contenuto 10" descr="Immagine che contiene testo, diagramma, schizzo, disegno&#10;&#10;Il contenuto generato dall'IA potrebbe non essere corretto.">
-            <a:extLst>
-              <a:ext uri="{FF2B5EF4-FFF2-40B4-BE49-F238E27FC236}">
-                <a16:creationId xmlns:a16="http://schemas.microsoft.com/office/drawing/2014/main" id="{30FC018F-5D28-010A-E73C-EC80985948B3}"/>
-              </a:ext>
-            </a:extLst>
-          </p:cNvPr>
-          <p:cNvPicPr>
-            <a:picLocks noGrp="1" noChangeAspect="1"/>
-          </p:cNvPicPr>
-          <p:nvPr>
-            <p:ph idx="1"/>
-          </p:nvPr>
-        </p:nvPicPr>
-        <p:blipFill>
-          <a:blip r:embed="rId2">
-            <a:extLst>
-              <a:ext uri="{28A0092B-C50C-407E-A947-70E740481C1C}">
-                <a14:useLocalDpi xmlns:a14="http://schemas.microsoft.com/office/drawing/2010/main" val="0"/>
-              </a:ext>
-            </a:extLst>
-          </a:blip>
-          <a:stretch>
-            <a:fillRect/>
-          </a:stretch>
-        </p:blipFill>
-        <p:spPr>
-          <a:xfrm>
-            <a:off x="773423" y="2336800"/>
-            <a:ext cx="9429129" cy="3598863"/>
-          </a:xfrm>
-        </p:spPr>
-      </p:pic>
-    </p:spTree>
-    <p:extLst>
-      <p:ext uri="{BB962C8B-B14F-4D97-AF65-F5344CB8AC3E}">
-        <p14:creationId xmlns:p14="http://schemas.microsoft.com/office/powerpoint/2010/main" val="3814681826"/>
-      </p:ext>
-    </p:extLst>
-  </p:cSld>
-  <p:clrMapOvr>
-    <a:masterClrMapping/>
-  </p:clrMapOvr>
-</p:sld>
-</file>
-
-<file path=ppt/slides/slide6.xml><?xml version="1.0" encoding="utf-8"?>
-<p:sld xmlns:a="http://schemas.openxmlformats.org/drawingml/2006/main" xmlns:r="http://schemas.openxmlformats.org/officeDocument/2006/relationships" xmlns:p="http://schemas.openxmlformats.org/presentationml/2006/main">
-  <p:cSld>
-    <p:spTree>
-      <p:nvGrpSpPr>
-        <p:cNvPr id="1" name="">
-          <a:extLst>
-            <a:ext uri="{FF2B5EF4-FFF2-40B4-BE49-F238E27FC236}">
-              <a16:creationId xmlns:a16="http://schemas.microsoft.com/office/drawing/2014/main" id="{F82C7B4B-CD6B-940C-1F3F-208CAE2925B7}"/>
-            </a:ext>
-          </a:extLst>
-        </p:cNvPr>
-        <p:cNvGrpSpPr/>
-        <p:nvPr/>
-      </p:nvGrpSpPr>
-      <p:grpSpPr>
-        <a:xfrm>
-          <a:off x="0" y="0"/>
-          <a:ext cx="0" cy="0"/>
-          <a:chOff x="0" y="0"/>
-          <a:chExt cx="0" cy="0"/>
-        </a:xfrm>
-      </p:grpSpPr>
-      <p:sp>
-        <p:nvSpPr>
-          <p:cNvPr id="2" name="Titolo 1">
-            <a:extLst>
-              <a:ext uri="{FF2B5EF4-FFF2-40B4-BE49-F238E27FC236}">
-                <a16:creationId xmlns:a16="http://schemas.microsoft.com/office/drawing/2014/main" id="{D47587AC-8BBD-8CE3-093B-76B74D0B1389}"/>
-              </a:ext>
-            </a:extLst>
-          </p:cNvPr>
-          <p:cNvSpPr>
-            <a:spLocks noGrp="1"/>
-          </p:cNvSpPr>
-          <p:nvPr>
-            <p:ph type="title"/>
-          </p:nvPr>
-        </p:nvSpPr>
-        <p:spPr/>
-        <p:txBody>
-          <a:bodyPr/>
-          <a:lstStyle/>
-          <a:p>
-            <a:r>
-              <a:rPr lang="en-US" noProof="0" dirty="0"/>
-              <a:t>Solution Description – Offline Phase (1/1)</a:t>
-            </a:r>
-          </a:p>
-        </p:txBody>
-      </p:sp>
-      <p:sp>
-        <p:nvSpPr>
-          <p:cNvPr id="3" name="Segnaposto contenuto 2">
-            <a:extLst>
-              <a:ext uri="{FF2B5EF4-FFF2-40B4-BE49-F238E27FC236}">
-                <a16:creationId xmlns:a16="http://schemas.microsoft.com/office/drawing/2014/main" id="{BFE617CB-E7AC-8693-4B2E-2DB6C2EF3FDB}"/>
-              </a:ext>
-            </a:extLst>
-          </p:cNvPr>
-          <p:cNvSpPr>
-            <a:spLocks noGrp="1"/>
-          </p:cNvSpPr>
-          <p:nvPr>
-            <p:ph idx="1"/>
-          </p:nvPr>
-        </p:nvSpPr>
-        <p:spPr/>
-        <p:txBody>
-          <a:bodyPr>
-            <a:normAutofit/>
-          </a:bodyPr>
-          <a:lstStyle/>
-          <a:p>
-            <a:pPr algn="just"/>
-            <a:r>
-              <a:rPr lang="en-US" b="1" i="1" dirty="0"/>
-              <a:t>Goal:</a:t>
-            </a:r>
-            <a:r>
-              <a:rPr lang="en-US" dirty="0"/>
-              <a:t> creating the Knowledge Base.</a:t>
-            </a:r>
-          </a:p>
-          <a:p>
-            <a:pPr algn="just"/>
-            <a:r>
-              <a:rPr lang="en-US" b="1" i="1" dirty="0"/>
-              <a:t>Description: </a:t>
-            </a:r>
-            <a:r>
-              <a:rPr lang="en-US" dirty="0"/>
-              <a:t>the </a:t>
-            </a:r>
-            <a:r>
-              <a:rPr lang="en-US" i="1" dirty="0"/>
-              <a:t>Knowledge Base Manager</a:t>
-            </a:r>
-            <a:r>
-              <a:rPr lang="en-US" dirty="0"/>
-              <a:t> (</a:t>
-            </a:r>
-            <a:r>
-              <a:rPr lang="en-US" dirty="0" err="1"/>
-              <a:t>i</a:t>
-            </a:r>
-            <a:r>
-              <a:rPr lang="en-US" dirty="0"/>
-              <a:t>) reads </a:t>
-            </a:r>
-            <a:r>
-              <a:rPr lang="en-US" i="1" dirty="0"/>
-              <a:t>menus</a:t>
-            </a:r>
-            <a:r>
-              <a:rPr lang="en-US" dirty="0"/>
-              <a:t> and supporting documents (e.g., </a:t>
-            </a:r>
-            <a:r>
-              <a:rPr lang="en-US" i="1" dirty="0"/>
-              <a:t>cooking manual</a:t>
-            </a:r>
-            <a:r>
-              <a:rPr lang="en-US" dirty="0"/>
-              <a:t>, </a:t>
-            </a:r>
-            <a:r>
-              <a:rPr lang="en-US" i="1" dirty="0"/>
-              <a:t>intergalactic code of conduct, dish mappings, planets distances</a:t>
-            </a:r>
-            <a:r>
-              <a:rPr lang="en-US" dirty="0"/>
-              <a:t>, …) from an </a:t>
-            </a:r>
-            <a:r>
-              <a:rPr lang="en-US" b="1" dirty="0"/>
-              <a:t>object storage,</a:t>
-            </a:r>
-            <a:r>
-              <a:rPr lang="en-US" dirty="0"/>
-              <a:t> (ii) generates for each </a:t>
-            </a:r>
-            <a:r>
-              <a:rPr lang="en-US" i="1" dirty="0"/>
-              <a:t>dish</a:t>
-            </a:r>
-            <a:r>
-              <a:rPr lang="en-US" dirty="0"/>
-              <a:t> a JSON descriptor that represents it, (iii) and saves it in a </a:t>
-            </a:r>
-            <a:r>
-              <a:rPr lang="en-US" b="1" dirty="0"/>
-              <a:t>document database</a:t>
-            </a:r>
-            <a:r>
-              <a:rPr lang="en-US" dirty="0"/>
-              <a:t>.</a:t>
-            </a:r>
-          </a:p>
-          <a:p>
-            <a:pPr algn="just"/>
-            <a:r>
-              <a:rPr lang="en-US" b="1" i="1" dirty="0"/>
-              <a:t>Notes: </a:t>
-            </a:r>
-            <a:r>
-              <a:rPr lang="en-US" dirty="0"/>
-              <a:t>in this exemplified setting both the </a:t>
-            </a:r>
-            <a:r>
-              <a:rPr lang="en-US" b="1" dirty="0"/>
-              <a:t>object storage </a:t>
-            </a:r>
-            <a:r>
-              <a:rPr lang="en-US" dirty="0"/>
-              <a:t>and the </a:t>
-            </a:r>
-            <a:r>
-              <a:rPr lang="en-US" b="1" dirty="0"/>
-              <a:t>document database</a:t>
-            </a:r>
-            <a:r>
-              <a:rPr lang="en-US" dirty="0"/>
-              <a:t> are folders in our repo, but the switch to </a:t>
-            </a:r>
-            <a:r>
-              <a:rPr lang="en-US" dirty="0" err="1"/>
-              <a:t>acutal</a:t>
-            </a:r>
-            <a:r>
-              <a:rPr lang="en-US" dirty="0"/>
-              <a:t> tools such as </a:t>
-            </a:r>
-            <a:r>
-              <a:rPr lang="en-US" i="1" dirty="0" err="1"/>
-              <a:t>MinIO</a:t>
-            </a:r>
-            <a:r>
-              <a:rPr lang="en-US" dirty="0"/>
-              <a:t> and </a:t>
-            </a:r>
-            <a:r>
-              <a:rPr lang="en-US" i="1" dirty="0"/>
-              <a:t>MongoDB</a:t>
-            </a:r>
-            <a:r>
-              <a:rPr lang="en-US" dirty="0"/>
-              <a:t>, for instance, is simple. </a:t>
-            </a:r>
-            <a:endParaRPr lang="en-US" b="1" i="1" dirty="0"/>
-          </a:p>
-        </p:txBody>
-      </p:sp>
-    </p:spTree>
-    <p:extLst>
-      <p:ext uri="{BB962C8B-B14F-4D97-AF65-F5344CB8AC3E}">
-        <p14:creationId xmlns:p14="http://schemas.microsoft.com/office/powerpoint/2010/main" val="1708126884"/>
-      </p:ext>
-    </p:extLst>
-  </p:cSld>
-  <p:clrMapOvr>
-    <a:masterClrMapping/>
-  </p:clrMapOvr>
-</p:sld>
-</file>
-
-<file path=ppt/slides/slide7.xml><?xml version="1.0" encoding="utf-8"?>
-<p:sld xmlns:a="http://schemas.openxmlformats.org/drawingml/2006/main" xmlns:r="http://schemas.openxmlformats.org/officeDocument/2006/relationships" xmlns:p="http://schemas.openxmlformats.org/presentationml/2006/main">
-  <p:cSld>
-    <p:spTree>
-      <p:nvGrpSpPr>
-        <p:cNvPr id="1" name="">
-          <a:extLst>
-            <a:ext uri="{FF2B5EF4-FFF2-40B4-BE49-F238E27FC236}">
-              <a16:creationId xmlns:a16="http://schemas.microsoft.com/office/drawing/2014/main" id="{8DF3CD6F-6A1F-DD39-4347-27BA7CE16E04}"/>
-            </a:ext>
-          </a:extLst>
-        </p:cNvPr>
-        <p:cNvGrpSpPr/>
-        <p:nvPr/>
-      </p:nvGrpSpPr>
-      <p:grpSpPr>
-        <a:xfrm>
-          <a:off x="0" y="0"/>
-          <a:ext cx="0" cy="0"/>
-          <a:chOff x="0" y="0"/>
-          <a:chExt cx="0" cy="0"/>
-        </a:xfrm>
-      </p:grpSpPr>
-      <p:sp>
-        <p:nvSpPr>
-          <p:cNvPr id="2" name="Titolo 1">
-            <a:extLst>
-              <a:ext uri="{FF2B5EF4-FFF2-40B4-BE49-F238E27FC236}">
-                <a16:creationId xmlns:a16="http://schemas.microsoft.com/office/drawing/2014/main" id="{FFFC7D35-3920-486F-D931-3FDE32DA58F0}"/>
-              </a:ext>
-            </a:extLst>
-          </p:cNvPr>
-          <p:cNvSpPr>
-            <a:spLocks noGrp="1"/>
-          </p:cNvSpPr>
-          <p:nvPr>
-            <p:ph type="title"/>
-          </p:nvPr>
-        </p:nvSpPr>
-        <p:spPr/>
-        <p:txBody>
-          <a:bodyPr/>
-          <a:lstStyle/>
-          <a:p>
-            <a:r>
-              <a:rPr lang="en-US" noProof="0" dirty="0"/>
-              <a:t>Solution Description – Offline Phase (1/2)</a:t>
+              <a:t>Solution Description – Results &amp; Improvements</a:t>
             </a:r>
           </a:p>
         </p:txBody>
@@ -8707,7 +7889,7 @@
           <p:cNvPr id="10" name="Segnaposto contenuto 2">
             <a:extLst>
               <a:ext uri="{FF2B5EF4-FFF2-40B4-BE49-F238E27FC236}">
-                <a16:creationId xmlns:a16="http://schemas.microsoft.com/office/drawing/2014/main" id="{8249A1E3-2DCA-7820-D8BF-0627097C5AC6}"/>
+                <a16:creationId xmlns:a16="http://schemas.microsoft.com/office/drawing/2014/main" id="{154CEAA0-02BF-CB41-DEB4-8627F7675F49}"/>
               </a:ext>
             </a:extLst>
           </p:cNvPr>
@@ -8727,7 +7909,7 @@
         </p:spPr>
         <p:txBody>
           <a:bodyPr vert="horz" lIns="91440" tIns="45720" rIns="91440" bIns="45720" rtlCol="0">
-            <a:normAutofit fontScale="92500" lnSpcReduction="20000"/>
+            <a:normAutofit/>
           </a:bodyPr>
           <a:lstStyle>
             <a:lvl1pPr marL="228600" indent="-228600" algn="l" defTabSz="914400" rtl="0" eaLnBrk="1" latinLnBrk="0" hangingPunct="1">
@@ -8896,6 +8078,1158 @@
           <a:p>
             <a:pPr algn="just"/>
             <a:r>
+              <a:rPr lang="en-US" dirty="0"/>
+              <a:t>The results are promising, considering the limited resources we relied upon. In particular, we obtained a </a:t>
+            </a:r>
+            <a:r>
+              <a:rPr lang="en-US" b="1" dirty="0"/>
+              <a:t>72.5 </a:t>
+            </a:r>
+            <a:r>
+              <a:rPr lang="en-US" dirty="0"/>
+              <a:t>score with our best submission using the approach described in this presentation.</a:t>
+            </a:r>
+          </a:p>
+          <a:p>
+            <a:pPr algn="just"/>
+            <a:r>
+              <a:rPr lang="en-US" dirty="0"/>
+              <a:t>Here’s some potential improvements:</a:t>
+            </a:r>
+          </a:p>
+          <a:p>
+            <a:pPr lvl="1" algn="just"/>
+            <a:r>
+              <a:rPr lang="en-US" dirty="0"/>
+              <a:t>Refine the question understanding and execution mechanisms to produce more accurate questions representations and more reliable sequences </a:t>
+            </a:r>
+            <a:r>
+              <a:rPr lang="en-US"/>
+              <a:t>of action.</a:t>
+            </a:r>
+            <a:endParaRPr lang="en-US" dirty="0"/>
+          </a:p>
+          <a:p>
+            <a:pPr lvl="1" algn="just"/>
+            <a:r>
+              <a:rPr lang="en-US" dirty="0"/>
+              <a:t>Use a more powerful model to answer the question by passing it to a more powerful model with the whole </a:t>
+            </a:r>
+            <a:r>
+              <a:rPr lang="en-US" i="1" dirty="0"/>
+              <a:t>Knowledge Base</a:t>
+            </a:r>
+            <a:r>
+              <a:rPr lang="en-US" dirty="0"/>
+              <a:t> and leveraging the Data Model.</a:t>
+            </a:r>
+          </a:p>
+          <a:p>
+            <a:pPr marL="0" indent="0" algn="just">
+              <a:buNone/>
+            </a:pPr>
+            <a:endParaRPr lang="en-US" dirty="0"/>
+          </a:p>
+          <a:p>
+            <a:pPr algn="just"/>
+            <a:endParaRPr lang="en-US" dirty="0"/>
+          </a:p>
+          <a:p>
+            <a:pPr marL="457200" lvl="1" indent="0" algn="just">
+              <a:buNone/>
+            </a:pPr>
+            <a:endParaRPr lang="en-US" dirty="0"/>
+          </a:p>
+          <a:p>
+            <a:pPr lvl="1" algn="just"/>
+            <a:endParaRPr lang="en-US" dirty="0"/>
+          </a:p>
+        </p:txBody>
+      </p:sp>
+    </p:spTree>
+    <p:extLst>
+      <p:ext uri="{BB962C8B-B14F-4D97-AF65-F5344CB8AC3E}">
+        <p14:creationId xmlns:p14="http://schemas.microsoft.com/office/powerpoint/2010/main" val="334186477"/>
+      </p:ext>
+    </p:extLst>
+  </p:cSld>
+  <p:clrMapOvr>
+    <a:masterClrMapping/>
+  </p:clrMapOvr>
+</p:sld>
+</file>
+
+<file path=ppt/slides/slide2.xml><?xml version="1.0" encoding="utf-8"?>
+<p:sld xmlns:a="http://schemas.openxmlformats.org/drawingml/2006/main" xmlns:r="http://schemas.openxmlformats.org/officeDocument/2006/relationships" xmlns:p="http://schemas.openxmlformats.org/presentationml/2006/main">
+  <p:cSld>
+    <p:spTree>
+      <p:nvGrpSpPr>
+        <p:cNvPr id="1" name=""/>
+        <p:cNvGrpSpPr/>
+        <p:nvPr/>
+      </p:nvGrpSpPr>
+      <p:grpSpPr>
+        <a:xfrm>
+          <a:off x="0" y="0"/>
+          <a:ext cx="0" cy="0"/>
+          <a:chOff x="0" y="0"/>
+          <a:chExt cx="0" cy="0"/>
+        </a:xfrm>
+      </p:grpSpPr>
+      <p:sp>
+        <p:nvSpPr>
+          <p:cNvPr id="2" name="Titolo 1">
+            <a:extLst>
+              <a:ext uri="{FF2B5EF4-FFF2-40B4-BE49-F238E27FC236}">
+                <a16:creationId xmlns:a16="http://schemas.microsoft.com/office/drawing/2014/main" id="{DA2B1639-94DA-365E-9EC2-5D35C88DF406}"/>
+              </a:ext>
+            </a:extLst>
+          </p:cNvPr>
+          <p:cNvSpPr>
+            <a:spLocks noGrp="1"/>
+          </p:cNvSpPr>
+          <p:nvPr>
+            <p:ph type="title"/>
+          </p:nvPr>
+        </p:nvSpPr>
+        <p:spPr/>
+        <p:txBody>
+          <a:bodyPr/>
+          <a:lstStyle/>
+          <a:p>
+            <a:r>
+              <a:rPr lang="en-US" noProof="0" dirty="0"/>
+              <a:t>Summary</a:t>
+            </a:r>
+          </a:p>
+        </p:txBody>
+      </p:sp>
+      <p:sp>
+        <p:nvSpPr>
+          <p:cNvPr id="3" name="Segnaposto contenuto 2">
+            <a:extLst>
+              <a:ext uri="{FF2B5EF4-FFF2-40B4-BE49-F238E27FC236}">
+                <a16:creationId xmlns:a16="http://schemas.microsoft.com/office/drawing/2014/main" id="{99119482-A12C-F963-B53E-78B2C9E7DE64}"/>
+              </a:ext>
+            </a:extLst>
+          </p:cNvPr>
+          <p:cNvSpPr>
+            <a:spLocks noGrp="1"/>
+          </p:cNvSpPr>
+          <p:nvPr>
+            <p:ph idx="1"/>
+          </p:nvPr>
+        </p:nvSpPr>
+        <p:spPr/>
+        <p:txBody>
+          <a:bodyPr/>
+          <a:lstStyle/>
+          <a:p>
+            <a:r>
+              <a:rPr lang="en-US" noProof="0" dirty="0"/>
+              <a:t>Problem Description</a:t>
+            </a:r>
+          </a:p>
+          <a:p>
+            <a:r>
+              <a:rPr lang="en-US" noProof="0" dirty="0"/>
+              <a:t>Solution Description</a:t>
+            </a:r>
+          </a:p>
+          <a:p>
+            <a:pPr lvl="1"/>
+            <a:r>
+              <a:rPr lang="en-US" dirty="0"/>
+              <a:t>Design Principles</a:t>
+            </a:r>
+            <a:endParaRPr lang="en-US" noProof="0" dirty="0"/>
+          </a:p>
+          <a:p>
+            <a:pPr lvl="1"/>
+            <a:r>
+              <a:rPr lang="en-US" noProof="0" dirty="0"/>
+              <a:t>High Level Architecture</a:t>
+            </a:r>
+          </a:p>
+          <a:p>
+            <a:pPr lvl="1"/>
+            <a:r>
+              <a:rPr lang="en-US" noProof="0" dirty="0"/>
+              <a:t>Offline Phase: Knowledge Base Creation</a:t>
+            </a:r>
+          </a:p>
+          <a:p>
+            <a:pPr lvl="1"/>
+            <a:r>
+              <a:rPr lang="en-US" noProof="0" dirty="0"/>
+              <a:t>Online Phase: Knowledge Base Querying</a:t>
+            </a:r>
+          </a:p>
+          <a:p>
+            <a:r>
+              <a:rPr lang="en-US" noProof="0" dirty="0"/>
+              <a:t>Results &amp; Improvements</a:t>
+            </a:r>
+          </a:p>
+        </p:txBody>
+      </p:sp>
+    </p:spTree>
+    <p:extLst>
+      <p:ext uri="{BB962C8B-B14F-4D97-AF65-F5344CB8AC3E}">
+        <p14:creationId xmlns:p14="http://schemas.microsoft.com/office/powerpoint/2010/main" val="496133671"/>
+      </p:ext>
+    </p:extLst>
+  </p:cSld>
+  <p:clrMapOvr>
+    <a:masterClrMapping/>
+  </p:clrMapOvr>
+</p:sld>
+</file>
+
+<file path=ppt/slides/slide3.xml><?xml version="1.0" encoding="utf-8"?>
+<p:sld xmlns:a="http://schemas.openxmlformats.org/drawingml/2006/main" xmlns:r="http://schemas.openxmlformats.org/officeDocument/2006/relationships" xmlns:p="http://schemas.openxmlformats.org/presentationml/2006/main">
+  <p:cSld>
+    <p:spTree>
+      <p:nvGrpSpPr>
+        <p:cNvPr id="1" name="">
+          <a:extLst>
+            <a:ext uri="{FF2B5EF4-FFF2-40B4-BE49-F238E27FC236}">
+              <a16:creationId xmlns:a16="http://schemas.microsoft.com/office/drawing/2014/main" id="{633C6207-83AB-C8D2-552B-91C8C8CAD4D0}"/>
+            </a:ext>
+          </a:extLst>
+        </p:cNvPr>
+        <p:cNvGrpSpPr/>
+        <p:nvPr/>
+      </p:nvGrpSpPr>
+      <p:grpSpPr>
+        <a:xfrm>
+          <a:off x="0" y="0"/>
+          <a:ext cx="0" cy="0"/>
+          <a:chOff x="0" y="0"/>
+          <a:chExt cx="0" cy="0"/>
+        </a:xfrm>
+      </p:grpSpPr>
+      <p:sp>
+        <p:nvSpPr>
+          <p:cNvPr id="2" name="Titolo 1">
+            <a:extLst>
+              <a:ext uri="{FF2B5EF4-FFF2-40B4-BE49-F238E27FC236}">
+                <a16:creationId xmlns:a16="http://schemas.microsoft.com/office/drawing/2014/main" id="{AB98F148-2FA6-82EE-61E4-46E702FA9DB8}"/>
+              </a:ext>
+            </a:extLst>
+          </p:cNvPr>
+          <p:cNvSpPr>
+            <a:spLocks noGrp="1"/>
+          </p:cNvSpPr>
+          <p:nvPr>
+            <p:ph type="title"/>
+          </p:nvPr>
+        </p:nvSpPr>
+        <p:spPr/>
+        <p:txBody>
+          <a:bodyPr/>
+          <a:lstStyle/>
+          <a:p>
+            <a:r>
+              <a:rPr lang="en-US" noProof="0" dirty="0"/>
+              <a:t>Problem Description</a:t>
+            </a:r>
+          </a:p>
+        </p:txBody>
+      </p:sp>
+      <p:sp>
+        <p:nvSpPr>
+          <p:cNvPr id="3" name="Segnaposto contenuto 2">
+            <a:extLst>
+              <a:ext uri="{FF2B5EF4-FFF2-40B4-BE49-F238E27FC236}">
+                <a16:creationId xmlns:a16="http://schemas.microsoft.com/office/drawing/2014/main" id="{16AF858C-9214-76B9-C13C-864940160F78}"/>
+              </a:ext>
+            </a:extLst>
+          </p:cNvPr>
+          <p:cNvSpPr>
+            <a:spLocks noGrp="1"/>
+          </p:cNvSpPr>
+          <p:nvPr>
+            <p:ph idx="1"/>
+          </p:nvPr>
+        </p:nvSpPr>
+        <p:spPr/>
+        <p:txBody>
+          <a:bodyPr>
+            <a:normAutofit fontScale="92500" lnSpcReduction="10000"/>
+          </a:bodyPr>
+          <a:lstStyle/>
+          <a:p>
+            <a:pPr algn="just"/>
+            <a:r>
+              <a:rPr lang="en-US" b="1" i="1" noProof="0" dirty="0"/>
+              <a:t>Goal: </a:t>
+            </a:r>
+            <a:r>
+              <a:rPr lang="en-US" noProof="0" dirty="0"/>
+              <a:t>develop a “intergalactic food advisor” that can provide the user with a list of suitable dishes based on a question in natural language, which implicitly contains some constraints.</a:t>
+            </a:r>
+          </a:p>
+          <a:p>
+            <a:pPr algn="just"/>
+            <a:r>
+              <a:rPr lang="en-US" b="1" i="1" dirty="0"/>
+              <a:t>Basic Setting: </a:t>
+            </a:r>
+            <a:r>
+              <a:rPr lang="en-US" dirty="0"/>
+              <a:t>in the galaxy there are 30 different </a:t>
+            </a:r>
+            <a:r>
+              <a:rPr lang="en-US" i="1" dirty="0"/>
+              <a:t>restaurants</a:t>
+            </a:r>
+            <a:r>
+              <a:rPr lang="en-US" dirty="0"/>
+              <a:t> scattered around 10 different </a:t>
+            </a:r>
+            <a:r>
+              <a:rPr lang="en-US" i="1" dirty="0"/>
+              <a:t>planets</a:t>
+            </a:r>
+            <a:r>
+              <a:rPr lang="en-US" dirty="0"/>
+              <a:t>, each with its </a:t>
+            </a:r>
+            <a:r>
+              <a:rPr lang="en-US" i="1" dirty="0"/>
+              <a:t>chef </a:t>
+            </a:r>
+            <a:r>
+              <a:rPr lang="en-US" dirty="0"/>
+              <a:t>and its unique set of </a:t>
+            </a:r>
+            <a:r>
+              <a:rPr lang="en-US" i="1" dirty="0"/>
+              <a:t>dishes </a:t>
+            </a:r>
+            <a:r>
+              <a:rPr lang="en-US" dirty="0"/>
+              <a:t>(i.e., menu). Every </a:t>
+            </a:r>
+            <a:r>
+              <a:rPr lang="en-US" i="1" dirty="0"/>
+              <a:t>chef</a:t>
+            </a:r>
+            <a:r>
+              <a:rPr lang="en-US" dirty="0"/>
+              <a:t> has their own </a:t>
+            </a:r>
+            <a:r>
+              <a:rPr lang="en-US" i="1" dirty="0"/>
+              <a:t>cooking </a:t>
+            </a:r>
+            <a:r>
+              <a:rPr lang="en-US" dirty="0"/>
+              <a:t>licenses, and every </a:t>
+            </a:r>
+            <a:r>
+              <a:rPr lang="en-US" i="1" dirty="0"/>
+              <a:t>dish </a:t>
+            </a:r>
+            <a:r>
+              <a:rPr lang="en-US" dirty="0"/>
+              <a:t>is prepared with specific </a:t>
+            </a:r>
+            <a:r>
+              <a:rPr lang="en-US" i="1" dirty="0"/>
+              <a:t>ingredients </a:t>
+            </a:r>
+            <a:r>
+              <a:rPr lang="en-US" dirty="0"/>
+              <a:t>and </a:t>
+            </a:r>
+            <a:r>
+              <a:rPr lang="en-US" i="1" dirty="0"/>
+              <a:t>cooking techniques</a:t>
+            </a:r>
+            <a:r>
+              <a:rPr lang="en-US" dirty="0"/>
+              <a:t>.</a:t>
+            </a:r>
+          </a:p>
+          <a:p>
+            <a:pPr algn="just"/>
+            <a:r>
+              <a:rPr lang="en-US" b="1" i="1" dirty="0"/>
+              <a:t>Additional Info:</a:t>
+            </a:r>
+            <a:r>
+              <a:rPr lang="en-US" i="1" dirty="0"/>
+              <a:t> </a:t>
+            </a:r>
+            <a:r>
+              <a:rPr lang="en-US" dirty="0"/>
+              <a:t>every </a:t>
+            </a:r>
+            <a:r>
+              <a:rPr lang="en-US" i="1" dirty="0"/>
+              <a:t>cooking technique </a:t>
+            </a:r>
+            <a:r>
+              <a:rPr lang="en-US" dirty="0"/>
+              <a:t>requires a set of </a:t>
+            </a:r>
+            <a:r>
+              <a:rPr lang="en-US" i="1" dirty="0"/>
+              <a:t>licenses </a:t>
+            </a:r>
+            <a:r>
+              <a:rPr lang="en-US" dirty="0"/>
+              <a:t>to be performed, some </a:t>
+            </a:r>
+            <a:r>
+              <a:rPr lang="en-US" i="1" dirty="0"/>
+              <a:t>ingredients </a:t>
+            </a:r>
+            <a:r>
+              <a:rPr lang="en-US" dirty="0"/>
+              <a:t>that contain weird </a:t>
+            </a:r>
+            <a:r>
+              <a:rPr lang="en-US" i="1" dirty="0"/>
+              <a:t>substances</a:t>
+            </a:r>
+            <a:r>
+              <a:rPr lang="en-US" dirty="0"/>
+              <a:t> cannot exceed a certain thresholds, and there are three different </a:t>
+            </a:r>
+            <a:r>
+              <a:rPr lang="en-US" i="1" dirty="0"/>
+              <a:t>orders</a:t>
+            </a:r>
+            <a:r>
+              <a:rPr lang="en-US" dirty="0"/>
+              <a:t> to take care of.</a:t>
+            </a:r>
+          </a:p>
+        </p:txBody>
+      </p:sp>
+    </p:spTree>
+    <p:extLst>
+      <p:ext uri="{BB962C8B-B14F-4D97-AF65-F5344CB8AC3E}">
+        <p14:creationId xmlns:p14="http://schemas.microsoft.com/office/powerpoint/2010/main" val="1810091504"/>
+      </p:ext>
+    </p:extLst>
+  </p:cSld>
+  <p:clrMapOvr>
+    <a:masterClrMapping/>
+  </p:clrMapOvr>
+</p:sld>
+</file>
+
+<file path=ppt/slides/slide4.xml><?xml version="1.0" encoding="utf-8"?>
+<p:sld xmlns:a="http://schemas.openxmlformats.org/drawingml/2006/main" xmlns:r="http://schemas.openxmlformats.org/officeDocument/2006/relationships" xmlns:p="http://schemas.openxmlformats.org/presentationml/2006/main">
+  <p:cSld>
+    <p:spTree>
+      <p:nvGrpSpPr>
+        <p:cNvPr id="1" name="">
+          <a:extLst>
+            <a:ext uri="{FF2B5EF4-FFF2-40B4-BE49-F238E27FC236}">
+              <a16:creationId xmlns:a16="http://schemas.microsoft.com/office/drawing/2014/main" id="{02B7FFA7-35DC-E1BD-F7F7-6A44E5A54FB7}"/>
+            </a:ext>
+          </a:extLst>
+        </p:cNvPr>
+        <p:cNvGrpSpPr/>
+        <p:nvPr/>
+      </p:nvGrpSpPr>
+      <p:grpSpPr>
+        <a:xfrm>
+          <a:off x="0" y="0"/>
+          <a:ext cx="0" cy="0"/>
+          <a:chOff x="0" y="0"/>
+          <a:chExt cx="0" cy="0"/>
+        </a:xfrm>
+      </p:grpSpPr>
+      <p:sp>
+        <p:nvSpPr>
+          <p:cNvPr id="2" name="Titolo 1">
+            <a:extLst>
+              <a:ext uri="{FF2B5EF4-FFF2-40B4-BE49-F238E27FC236}">
+                <a16:creationId xmlns:a16="http://schemas.microsoft.com/office/drawing/2014/main" id="{13AA5C29-F438-1793-1907-CCD6D2596491}"/>
+              </a:ext>
+            </a:extLst>
+          </p:cNvPr>
+          <p:cNvSpPr>
+            <a:spLocks noGrp="1"/>
+          </p:cNvSpPr>
+          <p:nvPr>
+            <p:ph type="title"/>
+          </p:nvPr>
+        </p:nvSpPr>
+        <p:spPr/>
+        <p:txBody>
+          <a:bodyPr/>
+          <a:lstStyle/>
+          <a:p>
+            <a:r>
+              <a:rPr lang="en-US" noProof="0" dirty="0"/>
+              <a:t>Solution Description – Design Principles</a:t>
+            </a:r>
+          </a:p>
+        </p:txBody>
+      </p:sp>
+      <p:sp>
+        <p:nvSpPr>
+          <p:cNvPr id="3" name="Segnaposto contenuto 2">
+            <a:extLst>
+              <a:ext uri="{FF2B5EF4-FFF2-40B4-BE49-F238E27FC236}">
+                <a16:creationId xmlns:a16="http://schemas.microsoft.com/office/drawing/2014/main" id="{0B58D442-F4D8-5F37-1C81-B451CECF2C1B}"/>
+              </a:ext>
+            </a:extLst>
+          </p:cNvPr>
+          <p:cNvSpPr>
+            <a:spLocks noGrp="1"/>
+          </p:cNvSpPr>
+          <p:nvPr>
+            <p:ph idx="1"/>
+          </p:nvPr>
+        </p:nvSpPr>
+        <p:spPr/>
+        <p:txBody>
+          <a:bodyPr>
+            <a:normAutofit/>
+          </a:bodyPr>
+          <a:lstStyle/>
+          <a:p>
+            <a:pPr algn="just"/>
+            <a:r>
+              <a:rPr lang="en-US" i="1" dirty="0"/>
+              <a:t>Make the System as Predictable and Controllable as Possible.</a:t>
+            </a:r>
+          </a:p>
+          <a:p>
+            <a:pPr lvl="1" algn="just"/>
+            <a:r>
+              <a:rPr lang="en-US" dirty="0"/>
+              <a:t>Combine LLMs with Rule-Based Parsing.</a:t>
+            </a:r>
+          </a:p>
+          <a:p>
+            <a:pPr lvl="1" algn="just"/>
+            <a:r>
+              <a:rPr lang="en-US" dirty="0"/>
+              <a:t>Map Questions to Predefined Sequences of Actions.</a:t>
+            </a:r>
+          </a:p>
+          <a:p>
+            <a:pPr algn="just"/>
+            <a:r>
+              <a:rPr lang="en-US" i="1" dirty="0"/>
+              <a:t>Make the System Deployable On-Premises with Limited Resources.</a:t>
+            </a:r>
+          </a:p>
+          <a:p>
+            <a:pPr lvl="1" algn="just"/>
+            <a:r>
+              <a:rPr lang="en-US" dirty="0"/>
+              <a:t>Use “Small“ Open Weights Large Language Models (LLMs).</a:t>
+            </a:r>
+          </a:p>
+          <a:p>
+            <a:pPr algn="just"/>
+            <a:r>
+              <a:rPr lang="en-US" i="1" dirty="0"/>
+              <a:t>Focus on Data Quality.</a:t>
+            </a:r>
+          </a:p>
+          <a:p>
+            <a:pPr lvl="1" algn="just"/>
+            <a:r>
+              <a:rPr lang="en-US" dirty="0"/>
+              <a:t>Define a Precise Data Model that Suits the Application.</a:t>
+            </a:r>
+          </a:p>
+        </p:txBody>
+      </p:sp>
+    </p:spTree>
+    <p:extLst>
+      <p:ext uri="{BB962C8B-B14F-4D97-AF65-F5344CB8AC3E}">
+        <p14:creationId xmlns:p14="http://schemas.microsoft.com/office/powerpoint/2010/main" val="3658849936"/>
+      </p:ext>
+    </p:extLst>
+  </p:cSld>
+  <p:clrMapOvr>
+    <a:masterClrMapping/>
+  </p:clrMapOvr>
+</p:sld>
+</file>
+
+<file path=ppt/slides/slide5.xml><?xml version="1.0" encoding="utf-8"?>
+<p:sld xmlns:a="http://schemas.openxmlformats.org/drawingml/2006/main" xmlns:r="http://schemas.openxmlformats.org/officeDocument/2006/relationships" xmlns:p="http://schemas.openxmlformats.org/presentationml/2006/main">
+  <p:cSld>
+    <p:spTree>
+      <p:nvGrpSpPr>
+        <p:cNvPr id="1" name="">
+          <a:extLst>
+            <a:ext uri="{FF2B5EF4-FFF2-40B4-BE49-F238E27FC236}">
+              <a16:creationId xmlns:a16="http://schemas.microsoft.com/office/drawing/2014/main" id="{1EA97894-08C3-B160-6465-226E763B5B82}"/>
+            </a:ext>
+          </a:extLst>
+        </p:cNvPr>
+        <p:cNvGrpSpPr/>
+        <p:nvPr/>
+      </p:nvGrpSpPr>
+      <p:grpSpPr>
+        <a:xfrm>
+          <a:off x="0" y="0"/>
+          <a:ext cx="0" cy="0"/>
+          <a:chOff x="0" y="0"/>
+          <a:chExt cx="0" cy="0"/>
+        </a:xfrm>
+      </p:grpSpPr>
+      <p:sp>
+        <p:nvSpPr>
+          <p:cNvPr id="2" name="Titolo 1">
+            <a:extLst>
+              <a:ext uri="{FF2B5EF4-FFF2-40B4-BE49-F238E27FC236}">
+                <a16:creationId xmlns:a16="http://schemas.microsoft.com/office/drawing/2014/main" id="{7AB648EC-9CA3-9F8F-ACCC-CE8622ACE917}"/>
+              </a:ext>
+            </a:extLst>
+          </p:cNvPr>
+          <p:cNvSpPr>
+            <a:spLocks noGrp="1"/>
+          </p:cNvSpPr>
+          <p:nvPr>
+            <p:ph type="title"/>
+          </p:nvPr>
+        </p:nvSpPr>
+        <p:spPr/>
+        <p:txBody>
+          <a:bodyPr/>
+          <a:lstStyle/>
+          <a:p>
+            <a:r>
+              <a:rPr lang="en-US" noProof="0" dirty="0"/>
+              <a:t>Solution Description – High Level Architecture</a:t>
+            </a:r>
+          </a:p>
+        </p:txBody>
+      </p:sp>
+      <p:pic>
+        <p:nvPicPr>
+          <p:cNvPr id="11" name="Segnaposto contenuto 10" descr="Immagine che contiene testo, diagramma, schizzo, disegno&#10;&#10;Il contenuto generato dall'IA potrebbe non essere corretto.">
+            <a:extLst>
+              <a:ext uri="{FF2B5EF4-FFF2-40B4-BE49-F238E27FC236}">
+                <a16:creationId xmlns:a16="http://schemas.microsoft.com/office/drawing/2014/main" id="{30FC018F-5D28-010A-E73C-EC80985948B3}"/>
+              </a:ext>
+            </a:extLst>
+          </p:cNvPr>
+          <p:cNvPicPr>
+            <a:picLocks noGrp="1" noChangeAspect="1"/>
+          </p:cNvPicPr>
+          <p:nvPr>
+            <p:ph idx="1"/>
+          </p:nvPr>
+        </p:nvPicPr>
+        <p:blipFill>
+          <a:blip r:embed="rId2">
+            <a:extLst>
+              <a:ext uri="{28A0092B-C50C-407E-A947-70E740481C1C}">
+                <a14:useLocalDpi xmlns:a14="http://schemas.microsoft.com/office/drawing/2010/main" val="0"/>
+              </a:ext>
+            </a:extLst>
+          </a:blip>
+          <a:stretch>
+            <a:fillRect/>
+          </a:stretch>
+        </p:blipFill>
+        <p:spPr>
+          <a:xfrm>
+            <a:off x="773423" y="2336800"/>
+            <a:ext cx="9429129" cy="3598863"/>
+          </a:xfrm>
+        </p:spPr>
+      </p:pic>
+    </p:spTree>
+    <p:extLst>
+      <p:ext uri="{BB962C8B-B14F-4D97-AF65-F5344CB8AC3E}">
+        <p14:creationId xmlns:p14="http://schemas.microsoft.com/office/powerpoint/2010/main" val="3814681826"/>
+      </p:ext>
+    </p:extLst>
+  </p:cSld>
+  <p:clrMapOvr>
+    <a:masterClrMapping/>
+  </p:clrMapOvr>
+</p:sld>
+</file>
+
+<file path=ppt/slides/slide6.xml><?xml version="1.0" encoding="utf-8"?>
+<p:sld xmlns:a="http://schemas.openxmlformats.org/drawingml/2006/main" xmlns:r="http://schemas.openxmlformats.org/officeDocument/2006/relationships" xmlns:p="http://schemas.openxmlformats.org/presentationml/2006/main">
+  <p:cSld>
+    <p:spTree>
+      <p:nvGrpSpPr>
+        <p:cNvPr id="1" name="">
+          <a:extLst>
+            <a:ext uri="{FF2B5EF4-FFF2-40B4-BE49-F238E27FC236}">
+              <a16:creationId xmlns:a16="http://schemas.microsoft.com/office/drawing/2014/main" id="{F82C7B4B-CD6B-940C-1F3F-208CAE2925B7}"/>
+            </a:ext>
+          </a:extLst>
+        </p:cNvPr>
+        <p:cNvGrpSpPr/>
+        <p:nvPr/>
+      </p:nvGrpSpPr>
+      <p:grpSpPr>
+        <a:xfrm>
+          <a:off x="0" y="0"/>
+          <a:ext cx="0" cy="0"/>
+          <a:chOff x="0" y="0"/>
+          <a:chExt cx="0" cy="0"/>
+        </a:xfrm>
+      </p:grpSpPr>
+      <p:sp>
+        <p:nvSpPr>
+          <p:cNvPr id="2" name="Titolo 1">
+            <a:extLst>
+              <a:ext uri="{FF2B5EF4-FFF2-40B4-BE49-F238E27FC236}">
+                <a16:creationId xmlns:a16="http://schemas.microsoft.com/office/drawing/2014/main" id="{D47587AC-8BBD-8CE3-093B-76B74D0B1389}"/>
+              </a:ext>
+            </a:extLst>
+          </p:cNvPr>
+          <p:cNvSpPr>
+            <a:spLocks noGrp="1"/>
+          </p:cNvSpPr>
+          <p:nvPr>
+            <p:ph type="title"/>
+          </p:nvPr>
+        </p:nvSpPr>
+        <p:spPr/>
+        <p:txBody>
+          <a:bodyPr/>
+          <a:lstStyle/>
+          <a:p>
+            <a:r>
+              <a:rPr lang="en-US" noProof="0" dirty="0"/>
+              <a:t>Solution Description – Offline Phase (1/2)</a:t>
+            </a:r>
+          </a:p>
+        </p:txBody>
+      </p:sp>
+      <p:sp>
+        <p:nvSpPr>
+          <p:cNvPr id="3" name="Segnaposto contenuto 2">
+            <a:extLst>
+              <a:ext uri="{FF2B5EF4-FFF2-40B4-BE49-F238E27FC236}">
+                <a16:creationId xmlns:a16="http://schemas.microsoft.com/office/drawing/2014/main" id="{BFE617CB-E7AC-8693-4B2E-2DB6C2EF3FDB}"/>
+              </a:ext>
+            </a:extLst>
+          </p:cNvPr>
+          <p:cNvSpPr>
+            <a:spLocks noGrp="1"/>
+          </p:cNvSpPr>
+          <p:nvPr>
+            <p:ph idx="1"/>
+          </p:nvPr>
+        </p:nvSpPr>
+        <p:spPr/>
+        <p:txBody>
+          <a:bodyPr>
+            <a:normAutofit/>
+          </a:bodyPr>
+          <a:lstStyle/>
+          <a:p>
+            <a:pPr algn="just"/>
+            <a:r>
+              <a:rPr lang="en-US" b="1" i="1" dirty="0"/>
+              <a:t>Goal:</a:t>
+            </a:r>
+            <a:r>
+              <a:rPr lang="en-US" dirty="0"/>
+              <a:t> creating the Knowledge Base.</a:t>
+            </a:r>
+          </a:p>
+          <a:p>
+            <a:pPr algn="just"/>
+            <a:r>
+              <a:rPr lang="en-US" b="1" i="1" dirty="0"/>
+              <a:t>Description: </a:t>
+            </a:r>
+            <a:r>
+              <a:rPr lang="en-US" dirty="0"/>
+              <a:t>the </a:t>
+            </a:r>
+            <a:r>
+              <a:rPr lang="en-US" i="1" dirty="0"/>
+              <a:t>Knowledge Base Manager</a:t>
+            </a:r>
+            <a:r>
+              <a:rPr lang="en-US" dirty="0"/>
+              <a:t> (</a:t>
+            </a:r>
+            <a:r>
+              <a:rPr lang="en-US" dirty="0" err="1"/>
+              <a:t>i</a:t>
+            </a:r>
+            <a:r>
+              <a:rPr lang="en-US" dirty="0"/>
+              <a:t>) reads </a:t>
+            </a:r>
+            <a:r>
+              <a:rPr lang="en-US" i="1" dirty="0"/>
+              <a:t>menus</a:t>
+            </a:r>
+            <a:r>
+              <a:rPr lang="en-US" dirty="0"/>
+              <a:t> and supporting documents (e.g., </a:t>
+            </a:r>
+            <a:r>
+              <a:rPr lang="en-US" i="1" dirty="0"/>
+              <a:t>cooking manual</a:t>
+            </a:r>
+            <a:r>
+              <a:rPr lang="en-US" dirty="0"/>
+              <a:t>, </a:t>
+            </a:r>
+            <a:r>
+              <a:rPr lang="en-US" i="1" dirty="0"/>
+              <a:t>intergalactic code of conduct, dish mappings, planets distances</a:t>
+            </a:r>
+            <a:r>
+              <a:rPr lang="en-US" dirty="0"/>
+              <a:t>, …) from an </a:t>
+            </a:r>
+            <a:r>
+              <a:rPr lang="en-US" b="1" dirty="0"/>
+              <a:t>object storage,</a:t>
+            </a:r>
+            <a:r>
+              <a:rPr lang="en-US" dirty="0"/>
+              <a:t> (ii) generates for each </a:t>
+            </a:r>
+            <a:r>
+              <a:rPr lang="en-US" i="1" dirty="0"/>
+              <a:t>dish</a:t>
+            </a:r>
+            <a:r>
+              <a:rPr lang="en-US" dirty="0"/>
+              <a:t> a JSON descriptor that represents it, (iii) and saves it in a </a:t>
+            </a:r>
+            <a:r>
+              <a:rPr lang="en-US" b="1" dirty="0"/>
+              <a:t>document database</a:t>
+            </a:r>
+            <a:r>
+              <a:rPr lang="en-US" dirty="0"/>
+              <a:t>.</a:t>
+            </a:r>
+          </a:p>
+          <a:p>
+            <a:pPr algn="just"/>
+            <a:r>
+              <a:rPr lang="en-US" b="1" i="1" dirty="0"/>
+              <a:t>Notes: </a:t>
+            </a:r>
+            <a:r>
+              <a:rPr lang="en-US" dirty="0"/>
+              <a:t>in this exemplified setting both the </a:t>
+            </a:r>
+            <a:r>
+              <a:rPr lang="en-US" b="1" dirty="0"/>
+              <a:t>object storage </a:t>
+            </a:r>
+            <a:r>
+              <a:rPr lang="en-US" dirty="0"/>
+              <a:t>and the </a:t>
+            </a:r>
+            <a:r>
+              <a:rPr lang="en-US" b="1" dirty="0"/>
+              <a:t>document database</a:t>
+            </a:r>
+            <a:r>
+              <a:rPr lang="en-US" dirty="0"/>
+              <a:t> are folders in our repo, but the switch to </a:t>
+            </a:r>
+            <a:r>
+              <a:rPr lang="en-US" dirty="0" err="1"/>
+              <a:t>acutal</a:t>
+            </a:r>
+            <a:r>
+              <a:rPr lang="en-US" dirty="0"/>
+              <a:t> tools such as </a:t>
+            </a:r>
+            <a:r>
+              <a:rPr lang="en-US" i="1" dirty="0" err="1"/>
+              <a:t>MinIO</a:t>
+            </a:r>
+            <a:r>
+              <a:rPr lang="en-US" dirty="0"/>
+              <a:t> and </a:t>
+            </a:r>
+            <a:r>
+              <a:rPr lang="en-US" i="1" dirty="0"/>
+              <a:t>MongoDB</a:t>
+            </a:r>
+            <a:r>
+              <a:rPr lang="en-US" dirty="0"/>
+              <a:t>, for instance, is simple. </a:t>
+            </a:r>
+            <a:endParaRPr lang="en-US" b="1" i="1" dirty="0"/>
+          </a:p>
+        </p:txBody>
+      </p:sp>
+    </p:spTree>
+    <p:extLst>
+      <p:ext uri="{BB962C8B-B14F-4D97-AF65-F5344CB8AC3E}">
+        <p14:creationId xmlns:p14="http://schemas.microsoft.com/office/powerpoint/2010/main" val="1708126884"/>
+      </p:ext>
+    </p:extLst>
+  </p:cSld>
+  <p:clrMapOvr>
+    <a:masterClrMapping/>
+  </p:clrMapOvr>
+</p:sld>
+</file>
+
+<file path=ppt/slides/slide7.xml><?xml version="1.0" encoding="utf-8"?>
+<p:sld xmlns:a="http://schemas.openxmlformats.org/drawingml/2006/main" xmlns:r="http://schemas.openxmlformats.org/officeDocument/2006/relationships" xmlns:p="http://schemas.openxmlformats.org/presentationml/2006/main">
+  <p:cSld>
+    <p:spTree>
+      <p:nvGrpSpPr>
+        <p:cNvPr id="1" name="">
+          <a:extLst>
+            <a:ext uri="{FF2B5EF4-FFF2-40B4-BE49-F238E27FC236}">
+              <a16:creationId xmlns:a16="http://schemas.microsoft.com/office/drawing/2014/main" id="{8DF3CD6F-6A1F-DD39-4347-27BA7CE16E04}"/>
+            </a:ext>
+          </a:extLst>
+        </p:cNvPr>
+        <p:cNvGrpSpPr/>
+        <p:nvPr/>
+      </p:nvGrpSpPr>
+      <p:grpSpPr>
+        <a:xfrm>
+          <a:off x="0" y="0"/>
+          <a:ext cx="0" cy="0"/>
+          <a:chOff x="0" y="0"/>
+          <a:chExt cx="0" cy="0"/>
+        </a:xfrm>
+      </p:grpSpPr>
+      <p:sp>
+        <p:nvSpPr>
+          <p:cNvPr id="2" name="Titolo 1">
+            <a:extLst>
+              <a:ext uri="{FF2B5EF4-FFF2-40B4-BE49-F238E27FC236}">
+                <a16:creationId xmlns:a16="http://schemas.microsoft.com/office/drawing/2014/main" id="{FFFC7D35-3920-486F-D931-3FDE32DA58F0}"/>
+              </a:ext>
+            </a:extLst>
+          </p:cNvPr>
+          <p:cNvSpPr>
+            <a:spLocks noGrp="1"/>
+          </p:cNvSpPr>
+          <p:nvPr>
+            <p:ph type="title"/>
+          </p:nvPr>
+        </p:nvSpPr>
+        <p:spPr/>
+        <p:txBody>
+          <a:bodyPr/>
+          <a:lstStyle/>
+          <a:p>
+            <a:r>
+              <a:rPr lang="en-US" noProof="0" dirty="0"/>
+              <a:t>Solution Description – Offline Phase (2/2)</a:t>
+            </a:r>
+          </a:p>
+        </p:txBody>
+      </p:sp>
+      <p:sp>
+        <p:nvSpPr>
+          <p:cNvPr id="10" name="Segnaposto contenuto 2">
+            <a:extLst>
+              <a:ext uri="{FF2B5EF4-FFF2-40B4-BE49-F238E27FC236}">
+                <a16:creationId xmlns:a16="http://schemas.microsoft.com/office/drawing/2014/main" id="{8249A1E3-2DCA-7820-D8BF-0627097C5AC6}"/>
+              </a:ext>
+            </a:extLst>
+          </p:cNvPr>
+          <p:cNvSpPr txBox="1">
+            <a:spLocks/>
+          </p:cNvSpPr>
+          <p:nvPr/>
+        </p:nvSpPr>
+        <p:spPr>
+          <a:xfrm>
+            <a:off x="680321" y="2336873"/>
+            <a:ext cx="9613861" cy="3599316"/>
+          </a:xfrm>
+          <a:prstGeom prst="rect">
+            <a:avLst/>
+          </a:prstGeom>
+        </p:spPr>
+        <p:txBody>
+          <a:bodyPr vert="horz" lIns="91440" tIns="45720" rIns="91440" bIns="45720" rtlCol="0">
+            <a:normAutofit fontScale="77500" lnSpcReduction="20000"/>
+          </a:bodyPr>
+          <a:lstStyle>
+            <a:lvl1pPr marL="228600" indent="-228600" algn="l" defTabSz="914400" rtl="0" eaLnBrk="1" latinLnBrk="0" hangingPunct="1">
+              <a:lnSpc>
+                <a:spcPct val="90000"/>
+              </a:lnSpc>
+              <a:spcBef>
+                <a:spcPts val="1000"/>
+              </a:spcBef>
+              <a:buFont typeface="Arial" panose="020B0604020202020204" pitchFamily="34" charset="0"/>
+              <a:buChar char="•"/>
+              <a:defRPr sz="2400" kern="1200">
+                <a:solidFill>
+                  <a:schemeClr val="tx1"/>
+                </a:solidFill>
+                <a:latin typeface="+mn-lt"/>
+                <a:ea typeface="+mn-ea"/>
+                <a:cs typeface="+mn-cs"/>
+              </a:defRPr>
+            </a:lvl1pPr>
+            <a:lvl2pPr marL="685800" indent="-228600" algn="l" defTabSz="914400" rtl="0" eaLnBrk="1" latinLnBrk="0" hangingPunct="1">
+              <a:lnSpc>
+                <a:spcPct val="90000"/>
+              </a:lnSpc>
+              <a:spcBef>
+                <a:spcPts val="500"/>
+              </a:spcBef>
+              <a:buFont typeface="Arial" panose="020B0604020202020204" pitchFamily="34" charset="0"/>
+              <a:buChar char="•"/>
+              <a:defRPr sz="2000" kern="1200">
+                <a:solidFill>
+                  <a:schemeClr val="tx1"/>
+                </a:solidFill>
+                <a:latin typeface="+mn-lt"/>
+                <a:ea typeface="+mn-ea"/>
+                <a:cs typeface="+mn-cs"/>
+              </a:defRPr>
+            </a:lvl2pPr>
+            <a:lvl3pPr marL="1143000" indent="-228600" algn="l" defTabSz="914400" rtl="0" eaLnBrk="1" latinLnBrk="0" hangingPunct="1">
+              <a:lnSpc>
+                <a:spcPct val="90000"/>
+              </a:lnSpc>
+              <a:spcBef>
+                <a:spcPts val="500"/>
+              </a:spcBef>
+              <a:buFont typeface="Arial" panose="020B0604020202020204" pitchFamily="34" charset="0"/>
+              <a:buChar char="•"/>
+              <a:defRPr sz="1800" kern="1200">
+                <a:solidFill>
+                  <a:schemeClr val="tx1"/>
+                </a:solidFill>
+                <a:latin typeface="+mn-lt"/>
+                <a:ea typeface="+mn-ea"/>
+                <a:cs typeface="+mn-cs"/>
+              </a:defRPr>
+            </a:lvl3pPr>
+            <a:lvl4pPr marL="1600200" indent="-228600" algn="l" defTabSz="914400" rtl="0" eaLnBrk="1" latinLnBrk="0" hangingPunct="1">
+              <a:lnSpc>
+                <a:spcPct val="90000"/>
+              </a:lnSpc>
+              <a:spcBef>
+                <a:spcPts val="500"/>
+              </a:spcBef>
+              <a:buFont typeface="Arial" panose="020B0604020202020204" pitchFamily="34" charset="0"/>
+              <a:buChar char="•"/>
+              <a:defRPr sz="1600" kern="1200">
+                <a:solidFill>
+                  <a:schemeClr val="tx1"/>
+                </a:solidFill>
+                <a:latin typeface="+mn-lt"/>
+                <a:ea typeface="+mn-ea"/>
+                <a:cs typeface="+mn-cs"/>
+              </a:defRPr>
+            </a:lvl4pPr>
+            <a:lvl5pPr marL="2057400" indent="-228600" algn="l" defTabSz="914400" rtl="0" eaLnBrk="1" latinLnBrk="0" hangingPunct="1">
+              <a:lnSpc>
+                <a:spcPct val="90000"/>
+              </a:lnSpc>
+              <a:spcBef>
+                <a:spcPts val="500"/>
+              </a:spcBef>
+              <a:buFont typeface="Arial" panose="020B0604020202020204" pitchFamily="34" charset="0"/>
+              <a:buChar char="•"/>
+              <a:defRPr sz="1600" kern="1200">
+                <a:solidFill>
+                  <a:schemeClr val="tx1"/>
+                </a:solidFill>
+                <a:latin typeface="+mn-lt"/>
+                <a:ea typeface="+mn-ea"/>
+                <a:cs typeface="+mn-cs"/>
+              </a:defRPr>
+            </a:lvl5pPr>
+            <a:lvl6pPr marL="2514600" indent="-228600" algn="l" defTabSz="914400" rtl="0" eaLnBrk="1" latinLnBrk="0" hangingPunct="1">
+              <a:lnSpc>
+                <a:spcPct val="90000"/>
+              </a:lnSpc>
+              <a:spcBef>
+                <a:spcPts val="500"/>
+              </a:spcBef>
+              <a:buFont typeface="Arial" panose="020B0604020202020204" pitchFamily="34" charset="0"/>
+              <a:buChar char="•"/>
+              <a:defRPr sz="1400" kern="1200">
+                <a:solidFill>
+                  <a:schemeClr val="tx1"/>
+                </a:solidFill>
+                <a:latin typeface="+mn-lt"/>
+                <a:ea typeface="+mn-ea"/>
+                <a:cs typeface="+mn-cs"/>
+              </a:defRPr>
+            </a:lvl6pPr>
+            <a:lvl7pPr marL="2971800" indent="-228600" algn="l" defTabSz="914400" rtl="0" eaLnBrk="1" latinLnBrk="0" hangingPunct="1">
+              <a:lnSpc>
+                <a:spcPct val="90000"/>
+              </a:lnSpc>
+              <a:spcBef>
+                <a:spcPts val="500"/>
+              </a:spcBef>
+              <a:buFont typeface="Arial" panose="020B0604020202020204" pitchFamily="34" charset="0"/>
+              <a:buChar char="•"/>
+              <a:defRPr sz="1400" kern="1200">
+                <a:solidFill>
+                  <a:schemeClr val="tx1"/>
+                </a:solidFill>
+                <a:latin typeface="+mn-lt"/>
+                <a:ea typeface="+mn-ea"/>
+                <a:cs typeface="+mn-cs"/>
+              </a:defRPr>
+            </a:lvl7pPr>
+            <a:lvl8pPr marL="3429000" indent="-228600" algn="l" defTabSz="914400" rtl="0" eaLnBrk="1" latinLnBrk="0" hangingPunct="1">
+              <a:lnSpc>
+                <a:spcPct val="90000"/>
+              </a:lnSpc>
+              <a:spcBef>
+                <a:spcPts val="500"/>
+              </a:spcBef>
+              <a:buFont typeface="Arial" panose="020B0604020202020204" pitchFamily="34" charset="0"/>
+              <a:buChar char="•"/>
+              <a:defRPr sz="1400" kern="1200">
+                <a:solidFill>
+                  <a:schemeClr val="tx1"/>
+                </a:solidFill>
+                <a:latin typeface="+mn-lt"/>
+                <a:ea typeface="+mn-ea"/>
+                <a:cs typeface="+mn-cs"/>
+              </a:defRPr>
+            </a:lvl8pPr>
+            <a:lvl9pPr marL="3886200" indent="-228600" algn="l" defTabSz="914400" rtl="0" eaLnBrk="1" latinLnBrk="0" hangingPunct="1">
+              <a:lnSpc>
+                <a:spcPct val="90000"/>
+              </a:lnSpc>
+              <a:spcBef>
+                <a:spcPts val="500"/>
+              </a:spcBef>
+              <a:buFont typeface="Arial" panose="020B0604020202020204" pitchFamily="34" charset="0"/>
+              <a:buChar char="•"/>
+              <a:defRPr sz="1400" kern="1200">
+                <a:solidFill>
+                  <a:schemeClr val="tx1"/>
+                </a:solidFill>
+                <a:latin typeface="+mn-lt"/>
+                <a:ea typeface="+mn-ea"/>
+                <a:cs typeface="+mn-cs"/>
+              </a:defRPr>
+            </a:lvl9pPr>
+          </a:lstStyle>
+          <a:p>
+            <a:pPr algn="just"/>
+            <a:r>
               <a:rPr lang="en-US" b="1" i="1" dirty="0"/>
               <a:t>Data Model: </a:t>
             </a:r>
@@ -8909,7 +9243,7 @@
             </a:r>
             <a:r>
               <a:rPr lang="en-US" dirty="0"/>
-              <a:t>we extract the following information.</a:t>
+              <a:t>we create a descriptor with the following information.</a:t>
             </a:r>
           </a:p>
           <a:p>
@@ -8994,6 +9328,47 @@
             <a:r>
               <a:rPr lang="en-US" b="1" dirty="0"/>
               <a:t>Orders Info</a:t>
+            </a:r>
+          </a:p>
+          <a:p>
+            <a:pPr lvl="2" algn="just"/>
+            <a:r>
+              <a:rPr lang="en-US" i="1" dirty="0"/>
+              <a:t>Andromeda</a:t>
+            </a:r>
+            <a:r>
+              <a:rPr lang="en-US" dirty="0"/>
+              <a:t> Info</a:t>
+            </a:r>
+          </a:p>
+          <a:p>
+            <a:pPr lvl="2" algn="just"/>
+            <a:r>
+              <a:rPr lang="en-US" i="1" dirty="0" err="1"/>
+              <a:t>Armonisti</a:t>
+            </a:r>
+            <a:r>
+              <a:rPr lang="en-US" i="1" dirty="0"/>
+              <a:t> </a:t>
+            </a:r>
+            <a:r>
+              <a:rPr lang="en-US" dirty="0"/>
+              <a:t>Info</a:t>
+            </a:r>
+          </a:p>
+          <a:p>
+            <a:pPr lvl="2" algn="just"/>
+            <a:r>
+              <a:rPr lang="en-US" i="1" dirty="0" err="1"/>
+              <a:t>Naturalisti</a:t>
+            </a:r>
+            <a:r>
+              <a:rPr lang="en-US" i="1" dirty="0"/>
+              <a:t> </a:t>
+            </a:r>
+            <a:r>
+              <a:rPr lang="en-US" dirty="0"/>
+              <a:t>Info</a:t>
             </a:r>
           </a:p>
         </p:txBody>
@@ -9002,6 +9377,730 @@
     <p:extLst>
       <p:ext uri="{BB962C8B-B14F-4D97-AF65-F5344CB8AC3E}">
         <p14:creationId xmlns:p14="http://schemas.microsoft.com/office/powerpoint/2010/main" val="4140506970"/>
+      </p:ext>
+    </p:extLst>
+  </p:cSld>
+  <p:clrMapOvr>
+    <a:masterClrMapping/>
+  </p:clrMapOvr>
+</p:sld>
+</file>
+
+<file path=ppt/slides/slide8.xml><?xml version="1.0" encoding="utf-8"?>
+<p:sld xmlns:a="http://schemas.openxmlformats.org/drawingml/2006/main" xmlns:r="http://schemas.openxmlformats.org/officeDocument/2006/relationships" xmlns:p="http://schemas.openxmlformats.org/presentationml/2006/main">
+  <p:cSld>
+    <p:spTree>
+      <p:nvGrpSpPr>
+        <p:cNvPr id="1" name="">
+          <a:extLst>
+            <a:ext uri="{FF2B5EF4-FFF2-40B4-BE49-F238E27FC236}">
+              <a16:creationId xmlns:a16="http://schemas.microsoft.com/office/drawing/2014/main" id="{3FD93316-DF6E-067C-9A02-EF5EF409B4C2}"/>
+            </a:ext>
+          </a:extLst>
+        </p:cNvPr>
+        <p:cNvGrpSpPr/>
+        <p:nvPr/>
+      </p:nvGrpSpPr>
+      <p:grpSpPr>
+        <a:xfrm>
+          <a:off x="0" y="0"/>
+          <a:ext cx="0" cy="0"/>
+          <a:chOff x="0" y="0"/>
+          <a:chExt cx="0" cy="0"/>
+        </a:xfrm>
+      </p:grpSpPr>
+      <p:sp>
+        <p:nvSpPr>
+          <p:cNvPr id="2" name="Titolo 1">
+            <a:extLst>
+              <a:ext uri="{FF2B5EF4-FFF2-40B4-BE49-F238E27FC236}">
+                <a16:creationId xmlns:a16="http://schemas.microsoft.com/office/drawing/2014/main" id="{4183151D-A44F-8385-2546-3BA8CA2A6A8B}"/>
+              </a:ext>
+            </a:extLst>
+          </p:cNvPr>
+          <p:cNvSpPr>
+            <a:spLocks noGrp="1"/>
+          </p:cNvSpPr>
+          <p:nvPr>
+            <p:ph type="title"/>
+          </p:nvPr>
+        </p:nvSpPr>
+        <p:spPr/>
+        <p:txBody>
+          <a:bodyPr/>
+          <a:lstStyle/>
+          <a:p>
+            <a:r>
+              <a:rPr lang="en-US" noProof="0" dirty="0"/>
+              <a:t>Solution Description – Online Phase (1/2)</a:t>
+            </a:r>
+          </a:p>
+        </p:txBody>
+      </p:sp>
+      <p:sp>
+        <p:nvSpPr>
+          <p:cNvPr id="10" name="Segnaposto contenuto 2">
+            <a:extLst>
+              <a:ext uri="{FF2B5EF4-FFF2-40B4-BE49-F238E27FC236}">
+                <a16:creationId xmlns:a16="http://schemas.microsoft.com/office/drawing/2014/main" id="{3FDBA388-D7FB-42C7-42FC-32F4A710365B}"/>
+              </a:ext>
+            </a:extLst>
+          </p:cNvPr>
+          <p:cNvSpPr txBox="1">
+            <a:spLocks/>
+          </p:cNvSpPr>
+          <p:nvPr/>
+        </p:nvSpPr>
+        <p:spPr>
+          <a:xfrm>
+            <a:off x="680321" y="2336873"/>
+            <a:ext cx="9613861" cy="3599316"/>
+          </a:xfrm>
+          <a:prstGeom prst="rect">
+            <a:avLst/>
+          </a:prstGeom>
+        </p:spPr>
+        <p:txBody>
+          <a:bodyPr vert="horz" lIns="91440" tIns="45720" rIns="91440" bIns="45720" rtlCol="0">
+            <a:normAutofit/>
+          </a:bodyPr>
+          <a:lstStyle>
+            <a:lvl1pPr marL="228600" indent="-228600" algn="l" defTabSz="914400" rtl="0" eaLnBrk="1" latinLnBrk="0" hangingPunct="1">
+              <a:lnSpc>
+                <a:spcPct val="90000"/>
+              </a:lnSpc>
+              <a:spcBef>
+                <a:spcPts val="1000"/>
+              </a:spcBef>
+              <a:buFont typeface="Arial" panose="020B0604020202020204" pitchFamily="34" charset="0"/>
+              <a:buChar char="•"/>
+              <a:defRPr sz="2400" kern="1200">
+                <a:solidFill>
+                  <a:schemeClr val="tx1"/>
+                </a:solidFill>
+                <a:latin typeface="+mn-lt"/>
+                <a:ea typeface="+mn-ea"/>
+                <a:cs typeface="+mn-cs"/>
+              </a:defRPr>
+            </a:lvl1pPr>
+            <a:lvl2pPr marL="685800" indent="-228600" algn="l" defTabSz="914400" rtl="0" eaLnBrk="1" latinLnBrk="0" hangingPunct="1">
+              <a:lnSpc>
+                <a:spcPct val="90000"/>
+              </a:lnSpc>
+              <a:spcBef>
+                <a:spcPts val="500"/>
+              </a:spcBef>
+              <a:buFont typeface="Arial" panose="020B0604020202020204" pitchFamily="34" charset="0"/>
+              <a:buChar char="•"/>
+              <a:defRPr sz="2000" kern="1200">
+                <a:solidFill>
+                  <a:schemeClr val="tx1"/>
+                </a:solidFill>
+                <a:latin typeface="+mn-lt"/>
+                <a:ea typeface="+mn-ea"/>
+                <a:cs typeface="+mn-cs"/>
+              </a:defRPr>
+            </a:lvl2pPr>
+            <a:lvl3pPr marL="1143000" indent="-228600" algn="l" defTabSz="914400" rtl="0" eaLnBrk="1" latinLnBrk="0" hangingPunct="1">
+              <a:lnSpc>
+                <a:spcPct val="90000"/>
+              </a:lnSpc>
+              <a:spcBef>
+                <a:spcPts val="500"/>
+              </a:spcBef>
+              <a:buFont typeface="Arial" panose="020B0604020202020204" pitchFamily="34" charset="0"/>
+              <a:buChar char="•"/>
+              <a:defRPr sz="1800" kern="1200">
+                <a:solidFill>
+                  <a:schemeClr val="tx1"/>
+                </a:solidFill>
+                <a:latin typeface="+mn-lt"/>
+                <a:ea typeface="+mn-ea"/>
+                <a:cs typeface="+mn-cs"/>
+              </a:defRPr>
+            </a:lvl3pPr>
+            <a:lvl4pPr marL="1600200" indent="-228600" algn="l" defTabSz="914400" rtl="0" eaLnBrk="1" latinLnBrk="0" hangingPunct="1">
+              <a:lnSpc>
+                <a:spcPct val="90000"/>
+              </a:lnSpc>
+              <a:spcBef>
+                <a:spcPts val="500"/>
+              </a:spcBef>
+              <a:buFont typeface="Arial" panose="020B0604020202020204" pitchFamily="34" charset="0"/>
+              <a:buChar char="•"/>
+              <a:defRPr sz="1600" kern="1200">
+                <a:solidFill>
+                  <a:schemeClr val="tx1"/>
+                </a:solidFill>
+                <a:latin typeface="+mn-lt"/>
+                <a:ea typeface="+mn-ea"/>
+                <a:cs typeface="+mn-cs"/>
+              </a:defRPr>
+            </a:lvl4pPr>
+            <a:lvl5pPr marL="2057400" indent="-228600" algn="l" defTabSz="914400" rtl="0" eaLnBrk="1" latinLnBrk="0" hangingPunct="1">
+              <a:lnSpc>
+                <a:spcPct val="90000"/>
+              </a:lnSpc>
+              <a:spcBef>
+                <a:spcPts val="500"/>
+              </a:spcBef>
+              <a:buFont typeface="Arial" panose="020B0604020202020204" pitchFamily="34" charset="0"/>
+              <a:buChar char="•"/>
+              <a:defRPr sz="1600" kern="1200">
+                <a:solidFill>
+                  <a:schemeClr val="tx1"/>
+                </a:solidFill>
+                <a:latin typeface="+mn-lt"/>
+                <a:ea typeface="+mn-ea"/>
+                <a:cs typeface="+mn-cs"/>
+              </a:defRPr>
+            </a:lvl5pPr>
+            <a:lvl6pPr marL="2514600" indent="-228600" algn="l" defTabSz="914400" rtl="0" eaLnBrk="1" latinLnBrk="0" hangingPunct="1">
+              <a:lnSpc>
+                <a:spcPct val="90000"/>
+              </a:lnSpc>
+              <a:spcBef>
+                <a:spcPts val="500"/>
+              </a:spcBef>
+              <a:buFont typeface="Arial" panose="020B0604020202020204" pitchFamily="34" charset="0"/>
+              <a:buChar char="•"/>
+              <a:defRPr sz="1400" kern="1200">
+                <a:solidFill>
+                  <a:schemeClr val="tx1"/>
+                </a:solidFill>
+                <a:latin typeface="+mn-lt"/>
+                <a:ea typeface="+mn-ea"/>
+                <a:cs typeface="+mn-cs"/>
+              </a:defRPr>
+            </a:lvl6pPr>
+            <a:lvl7pPr marL="2971800" indent="-228600" algn="l" defTabSz="914400" rtl="0" eaLnBrk="1" latinLnBrk="0" hangingPunct="1">
+              <a:lnSpc>
+                <a:spcPct val="90000"/>
+              </a:lnSpc>
+              <a:spcBef>
+                <a:spcPts val="500"/>
+              </a:spcBef>
+              <a:buFont typeface="Arial" panose="020B0604020202020204" pitchFamily="34" charset="0"/>
+              <a:buChar char="•"/>
+              <a:defRPr sz="1400" kern="1200">
+                <a:solidFill>
+                  <a:schemeClr val="tx1"/>
+                </a:solidFill>
+                <a:latin typeface="+mn-lt"/>
+                <a:ea typeface="+mn-ea"/>
+                <a:cs typeface="+mn-cs"/>
+              </a:defRPr>
+            </a:lvl7pPr>
+            <a:lvl8pPr marL="3429000" indent="-228600" algn="l" defTabSz="914400" rtl="0" eaLnBrk="1" latinLnBrk="0" hangingPunct="1">
+              <a:lnSpc>
+                <a:spcPct val="90000"/>
+              </a:lnSpc>
+              <a:spcBef>
+                <a:spcPts val="500"/>
+              </a:spcBef>
+              <a:buFont typeface="Arial" panose="020B0604020202020204" pitchFamily="34" charset="0"/>
+              <a:buChar char="•"/>
+              <a:defRPr sz="1400" kern="1200">
+                <a:solidFill>
+                  <a:schemeClr val="tx1"/>
+                </a:solidFill>
+                <a:latin typeface="+mn-lt"/>
+                <a:ea typeface="+mn-ea"/>
+                <a:cs typeface="+mn-cs"/>
+              </a:defRPr>
+            </a:lvl8pPr>
+            <a:lvl9pPr marL="3886200" indent="-228600" algn="l" defTabSz="914400" rtl="0" eaLnBrk="1" latinLnBrk="0" hangingPunct="1">
+              <a:lnSpc>
+                <a:spcPct val="90000"/>
+              </a:lnSpc>
+              <a:spcBef>
+                <a:spcPts val="500"/>
+              </a:spcBef>
+              <a:buFont typeface="Arial" panose="020B0604020202020204" pitchFamily="34" charset="0"/>
+              <a:buChar char="•"/>
+              <a:defRPr sz="1400" kern="1200">
+                <a:solidFill>
+                  <a:schemeClr val="tx1"/>
+                </a:solidFill>
+                <a:latin typeface="+mn-lt"/>
+                <a:ea typeface="+mn-ea"/>
+                <a:cs typeface="+mn-cs"/>
+              </a:defRPr>
+            </a:lvl9pPr>
+          </a:lstStyle>
+          <a:p>
+            <a:pPr algn="just"/>
+            <a:r>
+              <a:rPr lang="en-US" b="1" i="1" dirty="0"/>
+              <a:t>Goal:</a:t>
+            </a:r>
+            <a:r>
+              <a:rPr lang="en-US" dirty="0"/>
+              <a:t> querying the Knowledge Base.</a:t>
+            </a:r>
+          </a:p>
+          <a:p>
+            <a:pPr algn="just"/>
+            <a:r>
+              <a:rPr lang="en-US" b="1" i="1" dirty="0"/>
+              <a:t>Description: </a:t>
+            </a:r>
+            <a:r>
+              <a:rPr lang="en-US" dirty="0"/>
+              <a:t>the </a:t>
+            </a:r>
+            <a:r>
+              <a:rPr lang="en-US" i="1" dirty="0"/>
+              <a:t>Query Engine </a:t>
+            </a:r>
+            <a:r>
+              <a:rPr lang="en-US" dirty="0"/>
+              <a:t>(</a:t>
+            </a:r>
+            <a:r>
+              <a:rPr lang="en-US" dirty="0" err="1"/>
+              <a:t>i</a:t>
+            </a:r>
+            <a:r>
+              <a:rPr lang="en-US" dirty="0"/>
+              <a:t>) receives a </a:t>
+            </a:r>
+            <a:r>
+              <a:rPr lang="en-US" i="1" dirty="0"/>
+              <a:t>question</a:t>
+            </a:r>
+            <a:r>
+              <a:rPr lang="en-US" dirty="0"/>
+              <a:t> from the user, (ii) “understands” it, (iii) and transforms it in a sequence of filters to apply on the </a:t>
+            </a:r>
+            <a:r>
+              <a:rPr lang="en-US" i="1" dirty="0"/>
+              <a:t>Knowledge Base </a:t>
+            </a:r>
+            <a:r>
+              <a:rPr lang="en-US" dirty="0"/>
+              <a:t>so to extract the </a:t>
+            </a:r>
+            <a:r>
+              <a:rPr lang="en-US" i="1" dirty="0"/>
+              <a:t>dishes </a:t>
+            </a:r>
+            <a:r>
+              <a:rPr lang="en-US" dirty="0"/>
+              <a:t>that respect the question’s constraints.</a:t>
+            </a:r>
+          </a:p>
+          <a:p>
+            <a:pPr algn="just"/>
+            <a:r>
+              <a:rPr lang="en-US" b="1" i="1" dirty="0"/>
+              <a:t>Notes: </a:t>
+            </a:r>
+            <a:r>
+              <a:rPr lang="en-US" dirty="0"/>
+              <a:t>in this exemplified setting we made some assumptions about the types of questions the system can handle. Nevertheless, with some work, one can make the whole process more general and robust.</a:t>
+            </a:r>
+            <a:endParaRPr lang="en-US" b="1" i="1" dirty="0"/>
+          </a:p>
+        </p:txBody>
+      </p:sp>
+    </p:spTree>
+    <p:extLst>
+      <p:ext uri="{BB962C8B-B14F-4D97-AF65-F5344CB8AC3E}">
+        <p14:creationId xmlns:p14="http://schemas.microsoft.com/office/powerpoint/2010/main" val="3226074780"/>
+      </p:ext>
+    </p:extLst>
+  </p:cSld>
+  <p:clrMapOvr>
+    <a:masterClrMapping/>
+  </p:clrMapOvr>
+</p:sld>
+</file>
+
+<file path=ppt/slides/slide9.xml><?xml version="1.0" encoding="utf-8"?>
+<p:sld xmlns:a="http://schemas.openxmlformats.org/drawingml/2006/main" xmlns:r="http://schemas.openxmlformats.org/officeDocument/2006/relationships" xmlns:p="http://schemas.openxmlformats.org/presentationml/2006/main">
+  <p:cSld>
+    <p:spTree>
+      <p:nvGrpSpPr>
+        <p:cNvPr id="1" name="">
+          <a:extLst>
+            <a:ext uri="{FF2B5EF4-FFF2-40B4-BE49-F238E27FC236}">
+              <a16:creationId xmlns:a16="http://schemas.microsoft.com/office/drawing/2014/main" id="{BB1E7F22-B030-F0C7-1BC5-74947C29A75A}"/>
+            </a:ext>
+          </a:extLst>
+        </p:cNvPr>
+        <p:cNvGrpSpPr/>
+        <p:nvPr/>
+      </p:nvGrpSpPr>
+      <p:grpSpPr>
+        <a:xfrm>
+          <a:off x="0" y="0"/>
+          <a:ext cx="0" cy="0"/>
+          <a:chOff x="0" y="0"/>
+          <a:chExt cx="0" cy="0"/>
+        </a:xfrm>
+      </p:grpSpPr>
+      <p:sp>
+        <p:nvSpPr>
+          <p:cNvPr id="2" name="Titolo 1">
+            <a:extLst>
+              <a:ext uri="{FF2B5EF4-FFF2-40B4-BE49-F238E27FC236}">
+                <a16:creationId xmlns:a16="http://schemas.microsoft.com/office/drawing/2014/main" id="{C515CF42-6BEF-CB2B-F24A-05F0044F4E11}"/>
+              </a:ext>
+            </a:extLst>
+          </p:cNvPr>
+          <p:cNvSpPr>
+            <a:spLocks noGrp="1"/>
+          </p:cNvSpPr>
+          <p:nvPr>
+            <p:ph type="title"/>
+          </p:nvPr>
+        </p:nvSpPr>
+        <p:spPr/>
+        <p:txBody>
+          <a:bodyPr/>
+          <a:lstStyle/>
+          <a:p>
+            <a:r>
+              <a:rPr lang="en-US" noProof="0" dirty="0"/>
+              <a:t>Solution Description – Online Phase (2/2)</a:t>
+            </a:r>
+          </a:p>
+        </p:txBody>
+      </p:sp>
+      <p:sp>
+        <p:nvSpPr>
+          <p:cNvPr id="10" name="Segnaposto contenuto 2">
+            <a:extLst>
+              <a:ext uri="{FF2B5EF4-FFF2-40B4-BE49-F238E27FC236}">
+                <a16:creationId xmlns:a16="http://schemas.microsoft.com/office/drawing/2014/main" id="{F457C091-ABB9-5AE2-5688-056A832BE082}"/>
+              </a:ext>
+            </a:extLst>
+          </p:cNvPr>
+          <p:cNvSpPr txBox="1">
+            <a:spLocks/>
+          </p:cNvSpPr>
+          <p:nvPr/>
+        </p:nvSpPr>
+        <p:spPr>
+          <a:xfrm>
+            <a:off x="680321" y="2336873"/>
+            <a:ext cx="9613861" cy="3599316"/>
+          </a:xfrm>
+          <a:prstGeom prst="rect">
+            <a:avLst/>
+          </a:prstGeom>
+        </p:spPr>
+        <p:txBody>
+          <a:bodyPr vert="horz" lIns="91440" tIns="45720" rIns="91440" bIns="45720" rtlCol="0">
+            <a:normAutofit/>
+          </a:bodyPr>
+          <a:lstStyle>
+            <a:lvl1pPr marL="228600" indent="-228600" algn="l" defTabSz="914400" rtl="0" eaLnBrk="1" latinLnBrk="0" hangingPunct="1">
+              <a:lnSpc>
+                <a:spcPct val="90000"/>
+              </a:lnSpc>
+              <a:spcBef>
+                <a:spcPts val="1000"/>
+              </a:spcBef>
+              <a:buFont typeface="Arial" panose="020B0604020202020204" pitchFamily="34" charset="0"/>
+              <a:buChar char="•"/>
+              <a:defRPr sz="2400" kern="1200">
+                <a:solidFill>
+                  <a:schemeClr val="tx1"/>
+                </a:solidFill>
+                <a:latin typeface="+mn-lt"/>
+                <a:ea typeface="+mn-ea"/>
+                <a:cs typeface="+mn-cs"/>
+              </a:defRPr>
+            </a:lvl1pPr>
+            <a:lvl2pPr marL="685800" indent="-228600" algn="l" defTabSz="914400" rtl="0" eaLnBrk="1" latinLnBrk="0" hangingPunct="1">
+              <a:lnSpc>
+                <a:spcPct val="90000"/>
+              </a:lnSpc>
+              <a:spcBef>
+                <a:spcPts val="500"/>
+              </a:spcBef>
+              <a:buFont typeface="Arial" panose="020B0604020202020204" pitchFamily="34" charset="0"/>
+              <a:buChar char="•"/>
+              <a:defRPr sz="2000" kern="1200">
+                <a:solidFill>
+                  <a:schemeClr val="tx1"/>
+                </a:solidFill>
+                <a:latin typeface="+mn-lt"/>
+                <a:ea typeface="+mn-ea"/>
+                <a:cs typeface="+mn-cs"/>
+              </a:defRPr>
+            </a:lvl2pPr>
+            <a:lvl3pPr marL="1143000" indent="-228600" algn="l" defTabSz="914400" rtl="0" eaLnBrk="1" latinLnBrk="0" hangingPunct="1">
+              <a:lnSpc>
+                <a:spcPct val="90000"/>
+              </a:lnSpc>
+              <a:spcBef>
+                <a:spcPts val="500"/>
+              </a:spcBef>
+              <a:buFont typeface="Arial" panose="020B0604020202020204" pitchFamily="34" charset="0"/>
+              <a:buChar char="•"/>
+              <a:defRPr sz="1800" kern="1200">
+                <a:solidFill>
+                  <a:schemeClr val="tx1"/>
+                </a:solidFill>
+                <a:latin typeface="+mn-lt"/>
+                <a:ea typeface="+mn-ea"/>
+                <a:cs typeface="+mn-cs"/>
+              </a:defRPr>
+            </a:lvl3pPr>
+            <a:lvl4pPr marL="1600200" indent="-228600" algn="l" defTabSz="914400" rtl="0" eaLnBrk="1" latinLnBrk="0" hangingPunct="1">
+              <a:lnSpc>
+                <a:spcPct val="90000"/>
+              </a:lnSpc>
+              <a:spcBef>
+                <a:spcPts val="500"/>
+              </a:spcBef>
+              <a:buFont typeface="Arial" panose="020B0604020202020204" pitchFamily="34" charset="0"/>
+              <a:buChar char="•"/>
+              <a:defRPr sz="1600" kern="1200">
+                <a:solidFill>
+                  <a:schemeClr val="tx1"/>
+                </a:solidFill>
+                <a:latin typeface="+mn-lt"/>
+                <a:ea typeface="+mn-ea"/>
+                <a:cs typeface="+mn-cs"/>
+              </a:defRPr>
+            </a:lvl4pPr>
+            <a:lvl5pPr marL="2057400" indent="-228600" algn="l" defTabSz="914400" rtl="0" eaLnBrk="1" latinLnBrk="0" hangingPunct="1">
+              <a:lnSpc>
+                <a:spcPct val="90000"/>
+              </a:lnSpc>
+              <a:spcBef>
+                <a:spcPts val="500"/>
+              </a:spcBef>
+              <a:buFont typeface="Arial" panose="020B0604020202020204" pitchFamily="34" charset="0"/>
+              <a:buChar char="•"/>
+              <a:defRPr sz="1600" kern="1200">
+                <a:solidFill>
+                  <a:schemeClr val="tx1"/>
+                </a:solidFill>
+                <a:latin typeface="+mn-lt"/>
+                <a:ea typeface="+mn-ea"/>
+                <a:cs typeface="+mn-cs"/>
+              </a:defRPr>
+            </a:lvl5pPr>
+            <a:lvl6pPr marL="2514600" indent="-228600" algn="l" defTabSz="914400" rtl="0" eaLnBrk="1" latinLnBrk="0" hangingPunct="1">
+              <a:lnSpc>
+                <a:spcPct val="90000"/>
+              </a:lnSpc>
+              <a:spcBef>
+                <a:spcPts val="500"/>
+              </a:spcBef>
+              <a:buFont typeface="Arial" panose="020B0604020202020204" pitchFamily="34" charset="0"/>
+              <a:buChar char="•"/>
+              <a:defRPr sz="1400" kern="1200">
+                <a:solidFill>
+                  <a:schemeClr val="tx1"/>
+                </a:solidFill>
+                <a:latin typeface="+mn-lt"/>
+                <a:ea typeface="+mn-ea"/>
+                <a:cs typeface="+mn-cs"/>
+              </a:defRPr>
+            </a:lvl6pPr>
+            <a:lvl7pPr marL="2971800" indent="-228600" algn="l" defTabSz="914400" rtl="0" eaLnBrk="1" latinLnBrk="0" hangingPunct="1">
+              <a:lnSpc>
+                <a:spcPct val="90000"/>
+              </a:lnSpc>
+              <a:spcBef>
+                <a:spcPts val="500"/>
+              </a:spcBef>
+              <a:buFont typeface="Arial" panose="020B0604020202020204" pitchFamily="34" charset="0"/>
+              <a:buChar char="•"/>
+              <a:defRPr sz="1400" kern="1200">
+                <a:solidFill>
+                  <a:schemeClr val="tx1"/>
+                </a:solidFill>
+                <a:latin typeface="+mn-lt"/>
+                <a:ea typeface="+mn-ea"/>
+                <a:cs typeface="+mn-cs"/>
+              </a:defRPr>
+            </a:lvl7pPr>
+            <a:lvl8pPr marL="3429000" indent="-228600" algn="l" defTabSz="914400" rtl="0" eaLnBrk="1" latinLnBrk="0" hangingPunct="1">
+              <a:lnSpc>
+                <a:spcPct val="90000"/>
+              </a:lnSpc>
+              <a:spcBef>
+                <a:spcPts val="500"/>
+              </a:spcBef>
+              <a:buFont typeface="Arial" panose="020B0604020202020204" pitchFamily="34" charset="0"/>
+              <a:buChar char="•"/>
+              <a:defRPr sz="1400" kern="1200">
+                <a:solidFill>
+                  <a:schemeClr val="tx1"/>
+                </a:solidFill>
+                <a:latin typeface="+mn-lt"/>
+                <a:ea typeface="+mn-ea"/>
+                <a:cs typeface="+mn-cs"/>
+              </a:defRPr>
+            </a:lvl8pPr>
+            <a:lvl9pPr marL="3886200" indent="-228600" algn="l" defTabSz="914400" rtl="0" eaLnBrk="1" latinLnBrk="0" hangingPunct="1">
+              <a:lnSpc>
+                <a:spcPct val="90000"/>
+              </a:lnSpc>
+              <a:spcBef>
+                <a:spcPts val="500"/>
+              </a:spcBef>
+              <a:buFont typeface="Arial" panose="020B0604020202020204" pitchFamily="34" charset="0"/>
+              <a:buChar char="•"/>
+              <a:defRPr sz="1400" kern="1200">
+                <a:solidFill>
+                  <a:schemeClr val="tx1"/>
+                </a:solidFill>
+                <a:latin typeface="+mn-lt"/>
+                <a:ea typeface="+mn-ea"/>
+                <a:cs typeface="+mn-cs"/>
+              </a:defRPr>
+            </a:lvl9pPr>
+          </a:lstStyle>
+          <a:p>
+            <a:pPr algn="just"/>
+            <a:r>
+              <a:rPr lang="en-US" b="1" i="1" dirty="0"/>
+              <a:t>Question Understanding:</a:t>
+            </a:r>
+            <a:r>
+              <a:rPr lang="en-US" dirty="0"/>
+              <a:t> each question is processed to produce a descriptor that strictly parallel that of a dish by applying the following steps.</a:t>
+            </a:r>
+          </a:p>
+          <a:p>
+            <a:pPr lvl="1" algn="just"/>
+            <a:r>
+              <a:rPr lang="en-US" dirty="0"/>
+              <a:t>Extract </a:t>
+            </a:r>
+            <a:r>
+              <a:rPr lang="en-US" i="1" dirty="0"/>
+              <a:t>ingredients </a:t>
+            </a:r>
+            <a:r>
+              <a:rPr lang="en-US" dirty="0"/>
+              <a:t>and </a:t>
+            </a:r>
+            <a:r>
+              <a:rPr lang="en-US" i="1" dirty="0"/>
+              <a:t>techniques</a:t>
+            </a:r>
+            <a:r>
+              <a:rPr lang="en-US" dirty="0"/>
+              <a:t> (LLM-Based).</a:t>
+            </a:r>
+          </a:p>
+          <a:p>
+            <a:pPr lvl="1" algn="just"/>
+            <a:r>
+              <a:rPr lang="en-US" dirty="0"/>
+              <a:t>Extract </a:t>
+            </a:r>
+            <a:r>
+              <a:rPr lang="en-US" i="1" dirty="0"/>
+              <a:t>restaurant </a:t>
+            </a:r>
+            <a:r>
+              <a:rPr lang="en-US" dirty="0"/>
+              <a:t>and</a:t>
+            </a:r>
+            <a:r>
+              <a:rPr lang="en-US" i="1" dirty="0"/>
+              <a:t> planet </a:t>
+            </a:r>
+            <a:r>
+              <a:rPr lang="en-US" dirty="0"/>
+              <a:t>(Rule-Based).</a:t>
+            </a:r>
+          </a:p>
+          <a:p>
+            <a:pPr lvl="1" algn="just"/>
+            <a:r>
+              <a:rPr lang="en-US" dirty="0"/>
+              <a:t>Extract </a:t>
+            </a:r>
+            <a:r>
+              <a:rPr lang="en-US" i="1" dirty="0"/>
+              <a:t>licenses </a:t>
+            </a:r>
+            <a:r>
+              <a:rPr lang="en-US" dirty="0"/>
+              <a:t>(LLM-Based).</a:t>
+            </a:r>
+          </a:p>
+          <a:p>
+            <a:pPr lvl="1" algn="just"/>
+            <a:r>
+              <a:rPr lang="en-US" dirty="0"/>
+              <a:t>Extract</a:t>
+            </a:r>
+            <a:r>
+              <a:rPr lang="en-US" i="1" dirty="0"/>
+              <a:t> orders</a:t>
+            </a:r>
+            <a:r>
+              <a:rPr lang="en-US" dirty="0"/>
+              <a:t> (Rule-Based).</a:t>
+            </a:r>
+          </a:p>
+          <a:p>
+            <a:pPr algn="just"/>
+            <a:r>
+              <a:rPr lang="en-US" b="1" i="1" dirty="0"/>
+              <a:t>Question Execution: </a:t>
+            </a:r>
+            <a:r>
+              <a:rPr lang="en-US" dirty="0"/>
+              <a:t>the content of the </a:t>
+            </a:r>
+            <a:r>
+              <a:rPr lang="en-US" i="1" dirty="0"/>
+              <a:t>Knowledge Base </a:t>
+            </a:r>
+            <a:r>
+              <a:rPr lang="en-US" dirty="0"/>
+              <a:t>is recursively filtered based on the </a:t>
+            </a:r>
+            <a:r>
+              <a:rPr lang="en-US" i="1" dirty="0"/>
+              <a:t>question</a:t>
+            </a:r>
+            <a:r>
+              <a:rPr lang="en-US" dirty="0"/>
+              <a:t> descriptor extracted in the previous step to produce a list of suitable </a:t>
+            </a:r>
+            <a:r>
+              <a:rPr lang="en-US" i="1" dirty="0"/>
+              <a:t>dishes</a:t>
+            </a:r>
+            <a:r>
+              <a:rPr lang="en-US" dirty="0"/>
+              <a:t>.</a:t>
+            </a:r>
+          </a:p>
+          <a:p>
+            <a:pPr lvl="1" algn="just"/>
+            <a:endParaRPr lang="en-US" dirty="0"/>
+          </a:p>
+          <a:p>
+            <a:pPr marL="457200" lvl="1" indent="0" algn="just">
+              <a:buNone/>
+            </a:pPr>
+            <a:endParaRPr lang="en-US" dirty="0"/>
+          </a:p>
+          <a:p>
+            <a:pPr lvl="1" algn="just"/>
+            <a:endParaRPr lang="en-US" dirty="0"/>
+          </a:p>
+        </p:txBody>
+      </p:sp>
+    </p:spTree>
+    <p:extLst>
+      <p:ext uri="{BB962C8B-B14F-4D97-AF65-F5344CB8AC3E}">
+        <p14:creationId xmlns:p14="http://schemas.microsoft.com/office/powerpoint/2010/main" val="799663891"/>
       </p:ext>
     </p:extLst>
   </p:cSld>
